--- a/public/team_presentations/team_5_presentation.pptx
+++ b/public/team_presentations/team_5_presentation.pptx
@@ -1,35 +1,34 @@
 
 <file path=ppt/presentation.xml><?xml version="1.0" encoding="utf-8"?>
-<p:presentation xmlns:a="http://schemas.openxmlformats.org/drawingml/2006/main" xmlns:r="http://schemas.openxmlformats.org/officeDocument/2006/relationships" xmlns:mc="http://schemas.openxmlformats.org/markup-compatibility/2006" xmlns:mv="urn:schemas-microsoft-com:mac:vml" xmlns:p="http://schemas.openxmlformats.org/presentationml/2006/main" xmlns:c="http://schemas.openxmlformats.org/drawingml/2006/chart" xmlns:dgm="http://schemas.openxmlformats.org/drawingml/2006/diagram" xmlns:o="urn:schemas-microsoft-com:office:office" xmlns:v="urn:schemas-microsoft-com:vml" xmlns:pvml="urn:schemas-microsoft-com:office:powerpoint" xmlns:com="http://schemas.openxmlformats.org/drawingml/2006/compatibility" xmlns:p14="http://schemas.microsoft.com/office/powerpoint/2010/main" xmlns:p15="http://schemas.microsoft.com/office/powerpoint/2012/main" xmlns:ahyp="http://schemas.microsoft.com/office/drawing/2018/hyperlinkcolor" autoCompressPictures="0" strictFirstAndLastChars="0" saveSubsetFonts="1">
+<p:presentation xmlns:a="http://schemas.openxmlformats.org/drawingml/2006/main" xmlns:r="http://schemas.openxmlformats.org/officeDocument/2006/relationships" xmlns:p="http://schemas.openxmlformats.org/presentationml/2006/main" autoCompressPictures="0">
   <p:sldMasterIdLst>
-    <p:sldMasterId id="2147483648" r:id="rId3"/>
+    <p:sldMasterId id="2147483648" r:id="rId1"/>
   </p:sldMasterIdLst>
   <p:sldIdLst>
-    <p:sldId id="256" r:id="rId4"/>
-    <p:sldId id="257" r:id="rId5"/>
-    <p:sldId id="258" r:id="rId6"/>
-    <p:sldId id="259" r:id="rId7"/>
-    <p:sldId id="260" r:id="rId8"/>
-    <p:sldId id="261" r:id="rId9"/>
-    <p:sldId id="262" r:id="rId10"/>
-    <p:sldId id="263" r:id="rId11"/>
-    <p:sldId id="264" r:id="rId12"/>
-    <p:sldId id="265" r:id="rId13"/>
+    <p:sldId id="256" r:id="rId2"/>
+    <p:sldId id="257" r:id="rId3"/>
+    <p:sldId id="258" r:id="rId4"/>
+    <p:sldId id="259" r:id="rId5"/>
+    <p:sldId id="260" r:id="rId6"/>
+    <p:sldId id="281" r:id="rId7"/>
+    <p:sldId id="264" r:id="rId8"/>
+    <p:sldId id="270" r:id="rId9"/>
+    <p:sldId id="283" r:id="rId10"/>
+    <p:sldId id="282" r:id="rId11"/>
+    <p:sldId id="279" r:id="rId12"/>
+    <p:sldId id="280" r:id="rId13"/>
     <p:sldId id="266" r:id="rId14"/>
-    <p:sldId id="267" r:id="rId15"/>
-    <p:sldId id="268" r:id="rId16"/>
+    <p:sldId id="277" r:id="rId15"/>
+    <p:sldId id="278" r:id="rId16"/>
   </p:sldIdLst>
-  <p:sldSz cy="6858000" cx="12192000"/>
+  <p:sldSz cx="12192000" cy="6858000"/>
   <p:notesSz cx="6858000" cy="9144000"/>
-  <p:custDataLst>
-    <p:tags r:id="rId17"/>
-  </p:custDataLst>
   <p:defaultTextStyle>
-    <a:defPPr lvl="0">
+    <a:defPPr>
       <a:defRPr lang="en-US"/>
     </a:defPPr>
-    <a:lvl1pPr defTabSz="457200" eaLnBrk="1" hangingPunct="1" latinLnBrk="0" lvl="0" marL="0" rtl="0" algn="l">
-      <a:defRPr kern="1200" sz="1800">
+    <a:lvl1pPr marL="0" algn="l" defTabSz="457200" rtl="0" eaLnBrk="1" latinLnBrk="0" hangingPunct="1">
+      <a:defRPr sz="1800" kern="1200">
         <a:solidFill>
           <a:schemeClr val="tx1"/>
         </a:solidFill>
@@ -38,8 +37,8 @@
         <a:cs typeface="+mn-cs"/>
       </a:defRPr>
     </a:lvl1pPr>
-    <a:lvl2pPr defTabSz="457200" eaLnBrk="1" hangingPunct="1" latinLnBrk="0" lvl="1" marL="457200" rtl="0" algn="l">
-      <a:defRPr kern="1200" sz="1800">
+    <a:lvl2pPr marL="457200" algn="l" defTabSz="457200" rtl="0" eaLnBrk="1" latinLnBrk="0" hangingPunct="1">
+      <a:defRPr sz="1800" kern="1200">
         <a:solidFill>
           <a:schemeClr val="tx1"/>
         </a:solidFill>
@@ -48,8 +47,8 @@
         <a:cs typeface="+mn-cs"/>
       </a:defRPr>
     </a:lvl2pPr>
-    <a:lvl3pPr defTabSz="457200" eaLnBrk="1" hangingPunct="1" latinLnBrk="0" lvl="2" marL="914400" rtl="0" algn="l">
-      <a:defRPr kern="1200" sz="1800">
+    <a:lvl3pPr marL="914400" algn="l" defTabSz="457200" rtl="0" eaLnBrk="1" latinLnBrk="0" hangingPunct="1">
+      <a:defRPr sz="1800" kern="1200">
         <a:solidFill>
           <a:schemeClr val="tx1"/>
         </a:solidFill>
@@ -58,8 +57,8 @@
         <a:cs typeface="+mn-cs"/>
       </a:defRPr>
     </a:lvl3pPr>
-    <a:lvl4pPr defTabSz="457200" eaLnBrk="1" hangingPunct="1" latinLnBrk="0" lvl="3" marL="1371600" rtl="0" algn="l">
-      <a:defRPr kern="1200" sz="1800">
+    <a:lvl4pPr marL="1371600" algn="l" defTabSz="457200" rtl="0" eaLnBrk="1" latinLnBrk="0" hangingPunct="1">
+      <a:defRPr sz="1800" kern="1200">
         <a:solidFill>
           <a:schemeClr val="tx1"/>
         </a:solidFill>
@@ -68,8 +67,8 @@
         <a:cs typeface="+mn-cs"/>
       </a:defRPr>
     </a:lvl4pPr>
-    <a:lvl5pPr defTabSz="457200" eaLnBrk="1" hangingPunct="1" latinLnBrk="0" lvl="4" marL="1828800" rtl="0" algn="l">
-      <a:defRPr kern="1200" sz="1800">
+    <a:lvl5pPr marL="1828800" algn="l" defTabSz="457200" rtl="0" eaLnBrk="1" latinLnBrk="0" hangingPunct="1">
+      <a:defRPr sz="1800" kern="1200">
         <a:solidFill>
           <a:schemeClr val="tx1"/>
         </a:solidFill>
@@ -78,8 +77,8 @@
         <a:cs typeface="+mn-cs"/>
       </a:defRPr>
     </a:lvl5pPr>
-    <a:lvl6pPr defTabSz="457200" eaLnBrk="1" hangingPunct="1" latinLnBrk="0" lvl="5" marL="2286000" rtl="0" algn="l">
-      <a:defRPr kern="1200" sz="1800">
+    <a:lvl6pPr marL="2286000" algn="l" defTabSz="457200" rtl="0" eaLnBrk="1" latinLnBrk="0" hangingPunct="1">
+      <a:defRPr sz="1800" kern="1200">
         <a:solidFill>
           <a:schemeClr val="tx1"/>
         </a:solidFill>
@@ -88,8 +87,8 @@
         <a:cs typeface="+mn-cs"/>
       </a:defRPr>
     </a:lvl6pPr>
-    <a:lvl7pPr defTabSz="457200" eaLnBrk="1" hangingPunct="1" latinLnBrk="0" lvl="6" marL="2743200" rtl="0" algn="l">
-      <a:defRPr kern="1200" sz="1800">
+    <a:lvl7pPr marL="2743200" algn="l" defTabSz="457200" rtl="0" eaLnBrk="1" latinLnBrk="0" hangingPunct="1">
+      <a:defRPr sz="1800" kern="1200">
         <a:solidFill>
           <a:schemeClr val="tx1"/>
         </a:solidFill>
@@ -98,8 +97,8 @@
         <a:cs typeface="+mn-cs"/>
       </a:defRPr>
     </a:lvl7pPr>
-    <a:lvl8pPr defTabSz="457200" eaLnBrk="1" hangingPunct="1" latinLnBrk="0" lvl="7" marL="3200400" rtl="0" algn="l">
-      <a:defRPr kern="1200" sz="1800">
+    <a:lvl8pPr marL="3200400" algn="l" defTabSz="457200" rtl="0" eaLnBrk="1" latinLnBrk="0" hangingPunct="1">
+      <a:defRPr sz="1800" kern="1200">
         <a:solidFill>
           <a:schemeClr val="tx1"/>
         </a:solidFill>
@@ -108,8 +107,8 @@
         <a:cs typeface="+mn-cs"/>
       </a:defRPr>
     </a:lvl8pPr>
-    <a:lvl9pPr defTabSz="457200" eaLnBrk="1" hangingPunct="1" latinLnBrk="0" lvl="8" marL="3657600" rtl="0" algn="l">
-      <a:defRPr kern="1200" sz="1800">
+    <a:lvl9pPr marL="3657600" algn="l" defTabSz="457200" rtl="0" eaLnBrk="1" latinLnBrk="0" hangingPunct="1">
+      <a:defRPr sz="1800" kern="1200">
         <a:solidFill>
           <a:schemeClr val="tx1"/>
         </a:solidFill>
@@ -119,11 +118,12 @@
       </a:defRPr>
     </a:lvl9pPr>
   </p:defaultTextStyle>
+  <p:extLst>
+    <p:ext uri="{EFAFB233-063F-42B5-8137-9DF3F51BA10A}">
+      <p15:sldGuideLst xmlns:p15="http://schemas.microsoft.com/office/powerpoint/2012/main"/>
+    </p:ext>
+  </p:extLst>
 </p:presentation>
-</file>
-
-<file path=ppt/presProps1.xml><?xml version="1.0" encoding="utf-8"?>
-<p:presentationPr xmlns:a="http://schemas.openxmlformats.org/drawingml/2006/main" xmlns:r="http://schemas.openxmlformats.org/officeDocument/2006/relationships" xmlns:mc="http://schemas.openxmlformats.org/markup-compatibility/2006" xmlns:mv="urn:schemas-microsoft-com:mac:vml" xmlns:p="http://schemas.openxmlformats.org/presentationml/2006/main" xmlns:c="http://schemas.openxmlformats.org/drawingml/2006/chart" xmlns:dgm="http://schemas.openxmlformats.org/drawingml/2006/diagram" xmlns:o="urn:schemas-microsoft-com:office:office" xmlns:v="urn:schemas-microsoft-com:vml" xmlns:pvml="urn:schemas-microsoft-com:office:powerpoint" xmlns:com="http://schemas.openxmlformats.org/drawingml/2006/compatibility" xmlns:p14="http://schemas.microsoft.com/office/powerpoint/2010/main" xmlns:p15="http://schemas.microsoft.com/office/powerpoint/2012/main" xmlns:ahyp="http://schemas.microsoft.com/office/drawing/2018/hyperlinkcolor"/>
 </file>
 
 <file path=ppt/slideLayouts/slideLayout1.xml><?xml version="1.0" encoding="utf-8"?>
@@ -265,7 +265,7 @@
           <a:p>
             <a:fld id="{48A87A34-81AB-432B-8DAE-1953F412C126}" type="datetimeFigureOut">
               <a:rPr lang="en-US" dirty="0"/>
-              <a:t>4/24/2025</a:t>
+              <a:t>5/15/2025</a:t>
             </a:fld>
             <a:endParaRPr lang="en-US" dirty="0"/>
           </a:p>
@@ -471,7 +471,7 @@
           <a:p>
             <a:fld id="{48A87A34-81AB-432B-8DAE-1953F412C126}" type="datetimeFigureOut">
               <a:rPr lang="en-US" dirty="0"/>
-              <a:t>4/24/2025</a:t>
+              <a:t>5/15/2025</a:t>
             </a:fld>
             <a:endParaRPr lang="en-US" dirty="0"/>
           </a:p>
@@ -681,7 +681,7 @@
           <a:p>
             <a:fld id="{48A87A34-81AB-432B-8DAE-1953F412C126}" type="datetimeFigureOut">
               <a:rPr lang="en-US" dirty="0"/>
-              <a:t>4/24/2025</a:t>
+              <a:t>5/15/2025</a:t>
             </a:fld>
             <a:endParaRPr lang="en-US" dirty="0"/>
           </a:p>
@@ -877,7 +877,7 @@
           <a:p>
             <a:fld id="{48A87A34-81AB-432B-8DAE-1953F412C126}" type="datetimeFigureOut">
               <a:rPr lang="en-US" dirty="0"/>
-              <a:t>4/24/2025</a:t>
+              <a:t>5/15/2025</a:t>
             </a:fld>
             <a:endParaRPr lang="en-US" dirty="0"/>
           </a:p>
@@ -1151,7 +1151,7 @@
           <a:p>
             <a:fld id="{48A87A34-81AB-432B-8DAE-1953F412C126}" type="datetimeFigureOut">
               <a:rPr lang="en-US" dirty="0"/>
-              <a:t>4/24/2025</a:t>
+              <a:t>5/15/2025</a:t>
             </a:fld>
             <a:endParaRPr lang="en-US" dirty="0"/>
           </a:p>
@@ -1414,7 +1414,7 @@
           <a:p>
             <a:fld id="{48A87A34-81AB-432B-8DAE-1953F412C126}" type="datetimeFigureOut">
               <a:rPr lang="en-US" dirty="0"/>
-              <a:t>4/24/2025</a:t>
+              <a:t>5/15/2025</a:t>
             </a:fld>
             <a:endParaRPr lang="en-US" dirty="0"/>
           </a:p>
@@ -1825,7 +1825,7 @@
           <a:p>
             <a:fld id="{48A87A34-81AB-432B-8DAE-1953F412C126}" type="datetimeFigureOut">
               <a:rPr lang="en-US" dirty="0"/>
-              <a:t>4/24/2025</a:t>
+              <a:t>5/15/2025</a:t>
             </a:fld>
             <a:endParaRPr lang="en-US" dirty="0"/>
           </a:p>
@@ -1969,7 +1969,7 @@
           <a:p>
             <a:fld id="{48A87A34-81AB-432B-8DAE-1953F412C126}" type="datetimeFigureOut">
               <a:rPr lang="en-US" dirty="0"/>
-              <a:t>4/24/2025</a:t>
+              <a:t>5/15/2025</a:t>
             </a:fld>
             <a:endParaRPr lang="en-US" dirty="0"/>
           </a:p>
@@ -2090,7 +2090,7 @@
           <a:p>
             <a:fld id="{48A87A34-81AB-432B-8DAE-1953F412C126}" type="datetimeFigureOut">
               <a:rPr lang="en-US" dirty="0"/>
-              <a:t>4/24/2025</a:t>
+              <a:t>5/15/2025</a:t>
             </a:fld>
             <a:endParaRPr lang="en-US" dirty="0"/>
           </a:p>
@@ -2336,7 +2336,7 @@
           <a:p>
             <a:fld id="{48A87A34-81AB-432B-8DAE-1953F412C126}" type="datetimeFigureOut">
               <a:rPr lang="en-US" dirty="0"/>
-              <a:t>4/24/2025</a:t>
+              <a:t>5/15/2025</a:t>
             </a:fld>
             <a:endParaRPr lang="en-US" dirty="0"/>
           </a:p>
@@ -2777,7 +2777,7 @@
             <a:fld id="{48A87A34-81AB-432B-8DAE-1953F412C126}" type="datetimeFigureOut">
               <a:rPr lang="en-US" dirty="0"/>
               <a:pPr/>
-              <a:t>4/24/2025</a:t>
+              <a:t>5/15/2025</a:t>
             </a:fld>
             <a:endParaRPr lang="en-US" dirty="0"/>
           </a:p>
@@ -3100,7 +3100,7 @@
             <a:fld id="{48A87A34-81AB-432B-8DAE-1953F412C126}" type="datetimeFigureOut">
               <a:rPr lang="en-US" dirty="0"/>
               <a:pPr/>
-              <a:t>4/24/2025</a:t>
+              <a:t>5/15/2025</a:t>
             </a:fld>
             <a:endParaRPr lang="en-US" dirty="0"/>
           </a:p>
@@ -3566,11 +3566,11 @@
 </file>
 
 <file path=ppt/slides/slide1.xml><?xml version="1.0" encoding="utf-8"?>
-<p:sld xmlns:a="http://schemas.openxmlformats.org/drawingml/2006/main" xmlns:r="http://schemas.openxmlformats.org/officeDocument/2006/relationships" xmlns:mc="http://schemas.openxmlformats.org/markup-compatibility/2006" xmlns:mv="urn:schemas-microsoft-com:mac:vml" xmlns:p="http://schemas.openxmlformats.org/presentationml/2006/main" xmlns:c="http://schemas.openxmlformats.org/drawingml/2006/chart" xmlns:dgm="http://schemas.openxmlformats.org/drawingml/2006/diagram" xmlns:o="urn:schemas-microsoft-com:office:office" xmlns:v="urn:schemas-microsoft-com:vml" xmlns:pvml="urn:schemas-microsoft-com:office:powerpoint" xmlns:com="http://schemas.openxmlformats.org/drawingml/2006/compatibility" xmlns:p14="http://schemas.microsoft.com/office/powerpoint/2010/main" xmlns:p15="http://schemas.microsoft.com/office/powerpoint/2012/main" xmlns:ahyp="http://schemas.microsoft.com/office/drawing/2018/hyperlinkcolor">
+<p:sld xmlns:a="http://schemas.openxmlformats.org/drawingml/2006/main" xmlns:r="http://schemas.openxmlformats.org/officeDocument/2006/relationships" xmlns:p="http://schemas.openxmlformats.org/presentationml/2006/main">
   <p:cSld>
     <p:spTree>
       <p:nvGrpSpPr>
-        <p:cNvPr id="6148" name="Shape 6148"/>
+        <p:cNvPr id="1" name=""/>
         <p:cNvGrpSpPr/>
         <p:nvPr/>
       </p:nvGrpSpPr>
@@ -3584,8 +3584,16 @@
       </p:grpSpPr>
       <p:sp>
         <p:nvSpPr>
-          <p:cNvPr id="6149" name="Google Shape;6149;p1"/>
-          <p:cNvSpPr txBox="1"/>
+          <p:cNvPr id="2" name="Title 1">
+            <a:extLst>
+              <a:ext uri="{FF2B5EF4-FFF2-40B4-BE49-F238E27FC236}">
+                <a16:creationId xmlns:a16="http://schemas.microsoft.com/office/drawing/2014/main" id="{8265B234-9E55-529B-FBEE-A6C472AE1707}"/>
+              </a:ext>
+            </a:extLst>
+          </p:cNvPr>
+          <p:cNvSpPr>
+            <a:spLocks noGrp="1"/>
+          </p:cNvSpPr>
           <p:nvPr>
             <p:ph type="ctrTitle"/>
           </p:nvPr>
@@ -3593,175 +3601,163 @@
         <p:spPr>
           <a:xfrm>
             <a:off x="100784" y="985684"/>
-            <a:ext cx="4719600" cy="5801100"/>
+            <a:ext cx="4719483" cy="5801033"/>
+          </a:xfrm>
+        </p:spPr>
+        <p:txBody>
+          <a:bodyPr>
+            <a:normAutofit fontScale="90000"/>
+          </a:bodyPr>
+          <a:lstStyle/>
+          <a:p>
+            <a:r>
+              <a:rPr lang="en-US" sz="4800" dirty="0"/>
+              <a:t>DESIGN THINKING AND INNOVATION </a:t>
+            </a:r>
+            <a:br>
+              <a:rPr lang="en-US" sz="4800" dirty="0"/>
+            </a:br>
+            <a:br>
+              <a:rPr lang="en-US" sz="4800" dirty="0"/>
+            </a:br>
+            <a:br>
+              <a:rPr lang="en-US" sz="4800" dirty="0"/>
+            </a:br>
+            <a:r>
+              <a:rPr lang="en-US" sz="2700" dirty="0"/>
+              <a:t>PRESENTED BY:</a:t>
+            </a:r>
+            <a:br>
+              <a:rPr lang="en-US" sz="2700" dirty="0"/>
+            </a:br>
+            <a:r>
+              <a:rPr lang="en-US" sz="2200" dirty="0"/>
+              <a:t>G.PAVANI-23KD1A0238</a:t>
+            </a:r>
+            <a:br>
+              <a:rPr lang="en-US" sz="2200" dirty="0"/>
+            </a:br>
+            <a:r>
+              <a:rPr lang="en-US" sz="2200" dirty="0" err="1"/>
+              <a:t>k.SANDHYA</a:t>
+            </a:r>
+            <a:r>
+              <a:rPr lang="en-US" sz="2200" dirty="0"/>
+              <a:t> DEVI-23KD1A0250</a:t>
+            </a:r>
+            <a:br>
+              <a:rPr lang="en-US" sz="2200" dirty="0"/>
+            </a:br>
+            <a:r>
+              <a:rPr lang="en-US" sz="2200" dirty="0"/>
+              <a:t>b.VYSHNAVI-23KD1A0216</a:t>
+            </a:r>
+            <a:br>
+              <a:rPr lang="en-US" sz="2200" dirty="0"/>
+            </a:br>
+            <a:r>
+              <a:rPr lang="en-US" sz="2200" dirty="0"/>
+              <a:t>b.RAJESH-23KD1A0217</a:t>
+            </a:r>
+            <a:br>
+              <a:rPr lang="en-US" sz="2200" dirty="0"/>
+            </a:br>
+            <a:br>
+              <a:rPr lang="en-US" sz="2200" dirty="0"/>
+            </a:br>
+            <a:br>
+              <a:rPr lang="en-US" sz="4800" dirty="0"/>
+            </a:br>
+            <a:br>
+              <a:rPr lang="en-US" sz="4800" dirty="0"/>
+            </a:br>
+            <a:endParaRPr lang="en-IN" sz="4800" dirty="0"/>
+          </a:p>
+        </p:txBody>
+      </p:sp>
+      <p:sp>
+        <p:nvSpPr>
+          <p:cNvPr id="3" name="Subtitle 2">
+            <a:extLst>
+              <a:ext uri="{FF2B5EF4-FFF2-40B4-BE49-F238E27FC236}">
+                <a16:creationId xmlns:a16="http://schemas.microsoft.com/office/drawing/2014/main" id="{D46111FA-9309-ADB6-6097-A9B04F1BDB1C}"/>
+              </a:ext>
+            </a:extLst>
+          </p:cNvPr>
+          <p:cNvSpPr>
+            <a:spLocks noGrp="1"/>
+          </p:cNvSpPr>
+          <p:nvPr>
+            <p:ph type="subTitle" idx="1"/>
+          </p:nvPr>
+        </p:nvSpPr>
+        <p:spPr>
+          <a:xfrm>
+            <a:off x="5476568" y="1307690"/>
+            <a:ext cx="6440126" cy="3201135"/>
+          </a:xfrm>
+        </p:spPr>
+        <p:txBody>
+          <a:bodyPr/>
+          <a:lstStyle/>
+          <a:p>
+            <a:endParaRPr lang="en-IN" dirty="0"/>
+          </a:p>
+        </p:txBody>
+      </p:sp>
+      <p:pic>
+        <p:nvPicPr>
+          <p:cNvPr id="1026" name="Picture 2" descr="Free Vector idea concept illustration ">
+            <a:extLst>
+              <a:ext uri="{FF2B5EF4-FFF2-40B4-BE49-F238E27FC236}">
+                <a16:creationId xmlns:a16="http://schemas.microsoft.com/office/drawing/2014/main" id="{A52156A4-CE4D-78E4-ED0E-16DC819A6640}"/>
+              </a:ext>
+            </a:extLst>
+          </p:cNvPr>
+          <p:cNvPicPr>
+            <a:picLocks noChangeAspect="1" noChangeArrowheads="1"/>
+          </p:cNvPicPr>
+          <p:nvPr/>
+        </p:nvPicPr>
+        <p:blipFill>
+          <a:blip r:embed="rId2">
+            <a:extLst>
+              <a:ext uri="{28A0092B-C50C-407E-A947-70E740481C1C}">
+                <a14:useLocalDpi xmlns:a14="http://schemas.microsoft.com/office/drawing/2010/main" val="0"/>
+              </a:ext>
+            </a:extLst>
+          </a:blip>
+          <a:srcRect/>
+          <a:stretch>
+            <a:fillRect/>
+          </a:stretch>
+        </p:blipFill>
+        <p:spPr bwMode="auto">
+          <a:xfrm>
+            <a:off x="5220929" y="314632"/>
+            <a:ext cx="6363929" cy="5656007"/>
           </a:xfrm>
           <a:prstGeom prst="rect">
             <a:avLst/>
           </a:prstGeom>
           <a:noFill/>
-          <a:ln>
-            <a:noFill/>
-          </a:ln>
-        </p:spPr>
-        <p:txBody>
-          <a:bodyPr anchorCtr="0" anchor="b" bIns="0" lIns="91425" spcFirstLastPara="1" rIns="91425" wrap="square" tIns="45700">
-            <a:normAutofit fontScale="90000"/>
-          </a:bodyPr>
-          <a:lstStyle/>
-          <a:p>
-            <a:pPr indent="0" lvl="0" marL="0" rtl="0" algn="l">
-              <a:lnSpc>
-                <a:spcPct val="90000"/>
-              </a:lnSpc>
-              <a:spcBef>
-                <a:spcPts val="0"/>
-              </a:spcBef>
-              <a:spcAft>
-                <a:spcPts val="0"/>
-              </a:spcAft>
-              <a:buClr>
-                <a:schemeClr val="dk1"/>
-              </a:buClr>
-              <a:buSzPct val="100000"/>
-              <a:buFont typeface="Gill Sans"/>
-              <a:buNone/>
-            </a:pPr>
-            <a:r>
-              <a:rPr lang="en-US" sz="4800"/>
-              <a:t>DESIGN THINKING AND INNOVATION </a:t>
-            </a:r>
-            <a:br>
-              <a:rPr lang="en-US" sz="4800"/>
-            </a:br>
-            <a:br>
-              <a:rPr lang="en-US" sz="4800"/>
-            </a:br>
-            <a:br>
-              <a:rPr lang="en-US" sz="4800"/>
-            </a:br>
-            <a:r>
-              <a:rPr lang="en-US" sz="2700"/>
-              <a:t>PRESENTED BY:</a:t>
-            </a:r>
-            <a:br>
-              <a:rPr lang="en-US" sz="2700"/>
-            </a:br>
-            <a:r>
-              <a:rPr lang="en-US" sz="2200"/>
-              <a:t>G.PAVANI-23KD1A0238</a:t>
-            </a:r>
-            <a:br>
-              <a:rPr lang="en-US" sz="2200"/>
-            </a:br>
-            <a:r>
-              <a:rPr lang="en-US" sz="2200"/>
-              <a:t>K.SANDHYA DEVI-23KD1A0250</a:t>
-            </a:r>
-            <a:br>
-              <a:rPr lang="en-US" sz="2200"/>
-            </a:br>
-            <a:r>
-              <a:rPr lang="en-US" sz="2200"/>
-              <a:t>B.VYSHNAVI-23KD1A0216</a:t>
-            </a:r>
-            <a:br>
-              <a:rPr lang="en-US" sz="2200"/>
-            </a:br>
-            <a:r>
-              <a:rPr lang="en-US" sz="2200"/>
-              <a:t>B.RAJESH-23KD1A0217</a:t>
-            </a:r>
-            <a:br>
-              <a:rPr lang="en-US" sz="2200"/>
-            </a:br>
-            <a:br>
-              <a:rPr lang="en-US" sz="2200"/>
-            </a:br>
-            <a:br>
-              <a:rPr lang="en-US" sz="4800"/>
-            </a:br>
-            <a:br>
-              <a:rPr lang="en-US" sz="4800"/>
-            </a:br>
-            <a:endParaRPr sz="4800"/>
-          </a:p>
-        </p:txBody>
-      </p:sp>
-      <p:sp>
-        <p:nvSpPr>
-          <p:cNvPr id="6150" name="Google Shape;6150;p1"/>
-          <p:cNvSpPr txBox="1"/>
-          <p:nvPr>
-            <p:ph idx="1" type="subTitle"/>
-          </p:nvPr>
-        </p:nvSpPr>
-        <p:spPr>
-          <a:xfrm>
-            <a:off x="5476568" y="1307690"/>
-            <a:ext cx="6440100" cy="3201000"/>
-          </a:xfrm>
-          <a:prstGeom prst="rect">
-            <a:avLst/>
-          </a:prstGeom>
-          <a:noFill/>
-          <a:ln>
-            <a:noFill/>
-          </a:ln>
-        </p:spPr>
-        <p:txBody>
-          <a:bodyPr anchorCtr="0" anchor="t" bIns="91425" lIns="91425" spcFirstLastPara="1" rIns="91425" wrap="square" tIns="91425">
-            <a:normAutofit/>
-          </a:bodyPr>
-          <a:lstStyle/>
-          <a:p>
-            <a:pPr indent="0" lvl="0" marL="0" rtl="0" algn="l">
-              <a:lnSpc>
-                <a:spcPct val="120000"/>
-              </a:lnSpc>
-              <a:spcBef>
-                <a:spcPts val="0"/>
-              </a:spcBef>
-              <a:spcAft>
-                <a:spcPts val="0"/>
-              </a:spcAft>
-              <a:buSzPts val="1800"/>
-              <a:buNone/>
-            </a:pPr>
-            <a:r>
-              <a:t/>
-            </a:r>
-            <a:endParaRPr/>
-          </a:p>
-        </p:txBody>
-      </p:sp>
-      <p:pic>
-        <p:nvPicPr>
-          <p:cNvPr descr="Free Vector idea concept illustration " id="6151" name="Google Shape;6151;p1"/>
-          <p:cNvPicPr preferRelativeResize="0"/>
-          <p:nvPr/>
-        </p:nvPicPr>
-        <p:blipFill rotWithShape="1">
-          <a:blip r:embed="rId2">
-            <a:alphaModFix/>
-          </a:blip>
-          <a:srcRect b="0" l="0" r="0" t="0"/>
-          <a:stretch/>
-        </p:blipFill>
-        <p:spPr>
-          <a:xfrm>
-            <a:off x="5220929" y="314632"/>
-            <a:ext cx="6363930" cy="5656007"/>
-          </a:xfrm>
-          <a:prstGeom prst="rect">
-            <a:avLst/>
-          </a:prstGeom>
-          <a:noFill/>
-          <a:ln>
-            <a:noFill/>
-          </a:ln>
+          <a:extLst>
+            <a:ext uri="{909E8E84-426E-40DD-AFC4-6F175D3DCCD1}">
+              <a14:hiddenFill xmlns:a14="http://schemas.microsoft.com/office/drawing/2010/main">
+                <a:solidFill>
+                  <a:srgbClr val="FFFFFF"/>
+                </a:solidFill>
+              </a14:hiddenFill>
+            </a:ext>
+          </a:extLst>
         </p:spPr>
       </p:pic>
     </p:spTree>
+    <p:extLst>
+      <p:ext uri="{BB962C8B-B14F-4D97-AF65-F5344CB8AC3E}">
+        <p14:creationId xmlns:p14="http://schemas.microsoft.com/office/powerpoint/2010/main" val="4280125446"/>
+      </p:ext>
+    </p:extLst>
   </p:cSld>
   <p:clrMapOvr>
     <a:masterClrMapping/>
@@ -3786,195 +3782,638 @@
           <a:chExt cx="0" cy="0"/>
         </a:xfrm>
       </p:grpSpPr>
-      <p:sp>
-        <p:nvSpPr>
-          <p:cNvPr id="2" name="Title 1">
+      <p:pic>
+        <p:nvPicPr>
+          <p:cNvPr id="1026" name="Picture 2" descr="Arduino Uno R3 Board">
             <a:extLst>
               <a:ext uri="{FF2B5EF4-FFF2-40B4-BE49-F238E27FC236}">
-                <a16:creationId xmlns:a16="http://schemas.microsoft.com/office/drawing/2014/main" id="{510F4928-D55E-1FDE-7E1A-3B872FD1473A}"/>
+                <a16:creationId xmlns:a16="http://schemas.microsoft.com/office/drawing/2014/main" id="{F33483FC-A7F2-5867-8749-8C1A48DBA15C}"/>
               </a:ext>
             </a:extLst>
           </p:cNvPr>
-          <p:cNvSpPr>
-            <a:spLocks noGrp="1"/>
-          </p:cNvSpPr>
-          <p:nvPr>
-            <p:ph type="title"/>
-          </p:nvPr>
-        </p:nvSpPr>
-        <p:spPr>
-          <a:xfrm>
-            <a:off x="235975" y="78659"/>
-            <a:ext cx="9350477" cy="766917"/>
-          </a:xfrm>
-        </p:spPr>
-        <p:txBody>
-          <a:bodyPr>
-            <a:normAutofit/>
-          </a:bodyPr>
-          <a:lstStyle/>
-          <a:p>
-            <a:r>
-              <a:rPr lang="en-US" dirty="0"/>
-              <a:t>ADVANTAGES</a:t>
-            </a:r>
-            <a:br>
-              <a:rPr lang="en-US" dirty="0"/>
-            </a:br>
-            <a:endParaRPr lang="en-IN" dirty="0"/>
-          </a:p>
-        </p:txBody>
-      </p:sp>
-      <p:sp>
-        <p:nvSpPr>
-          <p:cNvPr id="4" name="Text Placeholder 3">
+          <p:cNvPicPr>
+            <a:picLocks noChangeAspect="1" noChangeArrowheads="1"/>
+          </p:cNvPicPr>
+          <p:nvPr/>
+        </p:nvPicPr>
+        <p:blipFill>
+          <a:blip r:embed="rId2">
+            <a:extLst>
+              <a:ext uri="{28A0092B-C50C-407E-A947-70E740481C1C}">
+                <a14:useLocalDpi xmlns:a14="http://schemas.microsoft.com/office/drawing/2010/main" val="0"/>
+              </a:ext>
+            </a:extLst>
+          </a:blip>
+          <a:srcRect/>
+          <a:stretch>
+            <a:fillRect/>
+          </a:stretch>
+        </p:blipFill>
+        <p:spPr bwMode="auto">
+          <a:xfrm>
+            <a:off x="136268" y="1590366"/>
+            <a:ext cx="2792362" cy="2202426"/>
+          </a:xfrm>
+          <a:prstGeom prst="rect">
+            <a:avLst/>
+          </a:prstGeom>
+          <a:noFill/>
+          <a:extLst>
+            <a:ext uri="{909E8E84-426E-40DD-AFC4-6F175D3DCCD1}">
+              <a14:hiddenFill xmlns:a14="http://schemas.microsoft.com/office/drawing/2010/main">
+                <a:solidFill>
+                  <a:srgbClr val="FFFFFF"/>
+                </a:solidFill>
+              </a14:hiddenFill>
+            </a:ext>
+          </a:extLst>
+        </p:spPr>
+      </p:pic>
+      <p:pic>
+        <p:nvPicPr>
+          <p:cNvPr id="1028" name="Picture 4" descr="Ultrasonic Sensor Range Finder Module HC-SR04">
             <a:extLst>
               <a:ext uri="{FF2B5EF4-FFF2-40B4-BE49-F238E27FC236}">
-                <a16:creationId xmlns:a16="http://schemas.microsoft.com/office/drawing/2014/main" id="{ECDA44DC-A908-5585-328A-B82B1FFA2132}"/>
+                <a16:creationId xmlns:a16="http://schemas.microsoft.com/office/drawing/2014/main" id="{23825DC3-9F79-0A95-1BDF-F87393CDC3E3}"/>
               </a:ext>
             </a:extLst>
           </p:cNvPr>
-          <p:cNvSpPr>
-            <a:spLocks noGrp="1"/>
-          </p:cNvSpPr>
-          <p:nvPr>
-            <p:ph type="body" sz="half" idx="2"/>
-          </p:nvPr>
-        </p:nvSpPr>
-        <p:spPr>
-          <a:xfrm>
-            <a:off x="235975" y="629265"/>
-            <a:ext cx="9832257" cy="5358579"/>
-          </a:xfrm>
-        </p:spPr>
-        <p:txBody>
-          <a:bodyPr>
-            <a:normAutofit/>
-          </a:bodyPr>
-          <a:lstStyle/>
-          <a:p>
-            <a:pPr marL="285750" indent="-285750">
-              <a:buFont typeface="Arial" panose="020B0604020202020204" pitchFamily="34" charset="0"/>
-              <a:buChar char="•"/>
-            </a:pPr>
+          <p:cNvPicPr>
+            <a:picLocks noChangeAspect="1" noChangeArrowheads="1"/>
+          </p:cNvPicPr>
+          <p:nvPr/>
+        </p:nvPicPr>
+        <p:blipFill>
+          <a:blip r:embed="rId3">
+            <a:extLst>
+              <a:ext uri="{28A0092B-C50C-407E-A947-70E740481C1C}">
+                <a14:useLocalDpi xmlns:a14="http://schemas.microsoft.com/office/drawing/2010/main" val="0"/>
+              </a:ext>
+            </a:extLst>
+          </a:blip>
+          <a:srcRect/>
+          <a:stretch>
+            <a:fillRect/>
+          </a:stretch>
+        </p:blipFill>
+        <p:spPr bwMode="auto">
+          <a:xfrm>
+            <a:off x="3484113" y="836815"/>
+            <a:ext cx="2549628" cy="2202426"/>
+          </a:xfrm>
+          <a:prstGeom prst="rect">
+            <a:avLst/>
+          </a:prstGeom>
+          <a:noFill/>
+          <a:extLst>
+            <a:ext uri="{909E8E84-426E-40DD-AFC4-6F175D3DCCD1}">
+              <a14:hiddenFill xmlns:a14="http://schemas.microsoft.com/office/drawing/2010/main">
+                <a:solidFill>
+                  <a:srgbClr val="FFFFFF"/>
+                </a:solidFill>
+              </a14:hiddenFill>
+            </a:ext>
+          </a:extLst>
+        </p:spPr>
+      </p:pic>
+      <p:sp>
+        <p:nvSpPr>
+          <p:cNvPr id="4" name="Rectangle 3">
+            <a:extLst>
+              <a:ext uri="{FF2B5EF4-FFF2-40B4-BE49-F238E27FC236}">
+                <a16:creationId xmlns:a16="http://schemas.microsoft.com/office/drawing/2014/main" id="{CA0D132E-3525-3F1C-FC7A-680B9AA1A925}"/>
+              </a:ext>
+            </a:extLst>
+          </p:cNvPr>
+          <p:cNvSpPr/>
+          <p:nvPr/>
+        </p:nvSpPr>
+        <p:spPr>
+          <a:xfrm>
+            <a:off x="-137652" y="60375"/>
+            <a:ext cx="4499488" cy="867696"/>
+          </a:xfrm>
+          <a:prstGeom prst="rect">
+            <a:avLst/>
+          </a:prstGeom>
+          <a:noFill/>
+          <a:ln w="9525" cap="flat" cmpd="sng" algn="ctr">
+            <a:solidFill>
+              <a:schemeClr val="dk1"/>
+            </a:solidFill>
+            <a:prstDash val="solid"/>
+            <a:round/>
+            <a:headEnd type="none" w="med" len="med"/>
+            <a:tailEnd type="none" w="med" len="med"/>
+          </a:ln>
+        </p:spPr>
+        <p:style>
+          <a:lnRef idx="0">
+            <a:scrgbClr r="0" g="0" b="0"/>
+          </a:lnRef>
+          <a:fillRef idx="0">
+            <a:scrgbClr r="0" g="0" b="0"/>
+          </a:fillRef>
+          <a:effectRef idx="0">
+            <a:scrgbClr r="0" g="0" b="0"/>
+          </a:effectRef>
+          <a:fontRef idx="minor">
+            <a:schemeClr val="dk1"/>
+          </a:fontRef>
+        </p:style>
+        <p:txBody>
+          <a:bodyPr rtlCol="0" anchor="ctr"/>
+          <a:lstStyle/>
+          <a:p>
+            <a:pPr algn="ctr"/>
+            <a:r>
+              <a:rPr lang="en-US" sz="4000" dirty="0"/>
+              <a:t>COMPONENTS</a:t>
+            </a:r>
+            <a:endParaRPr lang="en-IN" sz="4000" dirty="0"/>
+          </a:p>
+        </p:txBody>
+      </p:sp>
+      <p:sp>
+        <p:nvSpPr>
+          <p:cNvPr id="5" name="Rectangle 4">
+            <a:extLst>
+              <a:ext uri="{FF2B5EF4-FFF2-40B4-BE49-F238E27FC236}">
+                <a16:creationId xmlns:a16="http://schemas.microsoft.com/office/drawing/2014/main" id="{0A5B9F58-0200-A246-691D-198684D35933}"/>
+              </a:ext>
+            </a:extLst>
+          </p:cNvPr>
+          <p:cNvSpPr/>
+          <p:nvPr/>
+        </p:nvSpPr>
+        <p:spPr>
+          <a:xfrm>
+            <a:off x="3659923" y="2751648"/>
+            <a:ext cx="2399071" cy="575187"/>
+          </a:xfrm>
+          <a:prstGeom prst="rect">
+            <a:avLst/>
+          </a:prstGeom>
+        </p:spPr>
+        <p:style>
+          <a:lnRef idx="2">
+            <a:schemeClr val="accent6"/>
+          </a:lnRef>
+          <a:fillRef idx="1">
+            <a:schemeClr val="lt1"/>
+          </a:fillRef>
+          <a:effectRef idx="0">
+            <a:schemeClr val="accent6"/>
+          </a:effectRef>
+          <a:fontRef idx="minor">
+            <a:schemeClr val="dk1"/>
+          </a:fontRef>
+        </p:style>
+        <p:txBody>
+          <a:bodyPr rtlCol="0" anchor="ctr"/>
+          <a:lstStyle/>
+          <a:p>
+            <a:pPr algn="ctr"/>
             <a:r>
               <a:rPr lang="en-US" dirty="0"/>
-              <a:t>Clean Environment – Helps avoid overflowing and bad smell.</a:t>
-            </a:r>
-          </a:p>
-          <a:p>
-            <a:pPr marL="285750" indent="-285750">
-              <a:buFont typeface="Arial" panose="020B0604020202020204" pitchFamily="34" charset="0"/>
-              <a:buChar char="•"/>
-            </a:pPr>
+              <a:t>Ultrasonic sensor</a:t>
+            </a:r>
+            <a:endParaRPr lang="en-IN" dirty="0"/>
+          </a:p>
+        </p:txBody>
+      </p:sp>
+      <p:sp>
+        <p:nvSpPr>
+          <p:cNvPr id="6" name="Rectangle 5">
+            <a:extLst>
+              <a:ext uri="{FF2B5EF4-FFF2-40B4-BE49-F238E27FC236}">
+                <a16:creationId xmlns:a16="http://schemas.microsoft.com/office/drawing/2014/main" id="{35EAEB6B-553E-157C-C8B1-15AA84A3CB1F}"/>
+              </a:ext>
+            </a:extLst>
+          </p:cNvPr>
+          <p:cNvSpPr/>
+          <p:nvPr/>
+        </p:nvSpPr>
+        <p:spPr>
+          <a:xfrm>
+            <a:off x="136268" y="3637780"/>
+            <a:ext cx="2684206" cy="544462"/>
+          </a:xfrm>
+          <a:prstGeom prst="rect">
+            <a:avLst/>
+          </a:prstGeom>
+        </p:spPr>
+        <p:style>
+          <a:lnRef idx="2">
+            <a:schemeClr val="accent6"/>
+          </a:lnRef>
+          <a:fillRef idx="1">
+            <a:schemeClr val="lt1"/>
+          </a:fillRef>
+          <a:effectRef idx="0">
+            <a:schemeClr val="accent6"/>
+          </a:effectRef>
+          <a:fontRef idx="minor">
+            <a:schemeClr val="dk1"/>
+          </a:fontRef>
+        </p:style>
+        <p:txBody>
+          <a:bodyPr rtlCol="0" anchor="ctr"/>
+          <a:lstStyle/>
+          <a:p>
+            <a:pPr algn="ctr"/>
             <a:r>
               <a:rPr lang="en-US" dirty="0"/>
-              <a:t> Saves Time – Workers know exactly when to empty the bin.</a:t>
-            </a:r>
-          </a:p>
-          <a:p>
-            <a:pPr marL="285750" indent="-285750">
-              <a:buFont typeface="Arial" panose="020B0604020202020204" pitchFamily="34" charset="0"/>
-              <a:buChar char="•"/>
-            </a:pPr>
+              <a:t>Arduino uno</a:t>
+            </a:r>
+            <a:endParaRPr lang="en-IN" dirty="0"/>
+          </a:p>
+        </p:txBody>
+      </p:sp>
+      <p:pic>
+        <p:nvPicPr>
+          <p:cNvPr id="1030" name="Picture 6" descr="Leo Sales Ltd. IR Detector Module">
+            <a:extLst>
+              <a:ext uri="{FF2B5EF4-FFF2-40B4-BE49-F238E27FC236}">
+                <a16:creationId xmlns:a16="http://schemas.microsoft.com/office/drawing/2014/main" id="{A28BA0FD-0C94-FFA0-E800-B73C395C3F33}"/>
+              </a:ext>
+            </a:extLst>
+          </p:cNvPr>
+          <p:cNvPicPr>
+            <a:picLocks noChangeAspect="1" noChangeArrowheads="1"/>
+          </p:cNvPicPr>
+          <p:nvPr/>
+        </p:nvPicPr>
+        <p:blipFill>
+          <a:blip r:embed="rId4">
+            <a:extLst>
+              <a:ext uri="{28A0092B-C50C-407E-A947-70E740481C1C}">
+                <a14:useLocalDpi xmlns:a14="http://schemas.microsoft.com/office/drawing/2010/main" val="0"/>
+              </a:ext>
+            </a:extLst>
+          </a:blip>
+          <a:srcRect/>
+          <a:stretch>
+            <a:fillRect/>
+          </a:stretch>
+        </p:blipFill>
+        <p:spPr bwMode="auto">
+          <a:xfrm>
+            <a:off x="6520632" y="896116"/>
+            <a:ext cx="2312806" cy="2143125"/>
+          </a:xfrm>
+          <a:prstGeom prst="rect">
+            <a:avLst/>
+          </a:prstGeom>
+          <a:noFill/>
+          <a:extLst>
+            <a:ext uri="{909E8E84-426E-40DD-AFC4-6F175D3DCCD1}">
+              <a14:hiddenFill xmlns:a14="http://schemas.microsoft.com/office/drawing/2010/main">
+                <a:solidFill>
+                  <a:srgbClr val="FFFFFF"/>
+                </a:solidFill>
+              </a14:hiddenFill>
+            </a:ext>
+          </a:extLst>
+        </p:spPr>
+      </p:pic>
+      <p:sp>
+        <p:nvSpPr>
+          <p:cNvPr id="8" name="Rectangle 7">
+            <a:extLst>
+              <a:ext uri="{FF2B5EF4-FFF2-40B4-BE49-F238E27FC236}">
+                <a16:creationId xmlns:a16="http://schemas.microsoft.com/office/drawing/2014/main" id="{07D30DC5-2EB9-AE99-2A38-90B1CC47BBF0}"/>
+              </a:ext>
+            </a:extLst>
+          </p:cNvPr>
+          <p:cNvSpPr/>
+          <p:nvPr/>
+        </p:nvSpPr>
+        <p:spPr>
+          <a:xfrm>
+            <a:off x="6826545" y="2784216"/>
+            <a:ext cx="1700980" cy="510049"/>
+          </a:xfrm>
+          <a:prstGeom prst="rect">
+            <a:avLst/>
+          </a:prstGeom>
+        </p:spPr>
+        <p:style>
+          <a:lnRef idx="2">
+            <a:schemeClr val="accent6"/>
+          </a:lnRef>
+          <a:fillRef idx="1">
+            <a:schemeClr val="lt1"/>
+          </a:fillRef>
+          <a:effectRef idx="0">
+            <a:schemeClr val="accent6"/>
+          </a:effectRef>
+          <a:fontRef idx="minor">
+            <a:schemeClr val="dk1"/>
+          </a:fontRef>
+        </p:style>
+        <p:txBody>
+          <a:bodyPr rtlCol="0" anchor="ctr"/>
+          <a:lstStyle/>
+          <a:p>
+            <a:pPr algn="ctr"/>
             <a:r>
               <a:rPr lang="en-US" dirty="0"/>
-              <a:t> Automatic Lid – Touchless system is more hygienic.</a:t>
-            </a:r>
-          </a:p>
-          <a:p>
-            <a:pPr marL="285750" indent="-285750">
-              <a:buFont typeface="Arial" panose="020B0604020202020204" pitchFamily="34" charset="0"/>
-              <a:buChar char="•"/>
-            </a:pPr>
+              <a:t>IR sensor</a:t>
+            </a:r>
+            <a:endParaRPr lang="en-IN" dirty="0"/>
+          </a:p>
+        </p:txBody>
+      </p:sp>
+      <p:pic>
+        <p:nvPicPr>
+          <p:cNvPr id="1034" name="Picture 10" descr="Buy High-Speed Continuous Rotation Servo Motor at Ubuy Ghana">
+            <a:extLst>
+              <a:ext uri="{FF2B5EF4-FFF2-40B4-BE49-F238E27FC236}">
+                <a16:creationId xmlns:a16="http://schemas.microsoft.com/office/drawing/2014/main" id="{F75AE91F-B7D0-D906-0955-BBDB8F9649AE}"/>
+              </a:ext>
+            </a:extLst>
+          </p:cNvPr>
+          <p:cNvPicPr>
+            <a:picLocks noChangeAspect="1" noChangeArrowheads="1"/>
+          </p:cNvPicPr>
+          <p:nvPr/>
+        </p:nvPicPr>
+        <p:blipFill>
+          <a:blip r:embed="rId5">
+            <a:extLst>
+              <a:ext uri="{28A0092B-C50C-407E-A947-70E740481C1C}">
+                <a14:useLocalDpi xmlns:a14="http://schemas.microsoft.com/office/drawing/2010/main" val="0"/>
+              </a:ext>
+            </a:extLst>
+          </a:blip>
+          <a:srcRect/>
+          <a:stretch>
+            <a:fillRect/>
+          </a:stretch>
+        </p:blipFill>
+        <p:spPr bwMode="auto">
+          <a:xfrm>
+            <a:off x="8978158" y="1789775"/>
+            <a:ext cx="2819703" cy="2040194"/>
+          </a:xfrm>
+          <a:prstGeom prst="rect">
+            <a:avLst/>
+          </a:prstGeom>
+          <a:noFill/>
+          <a:extLst>
+            <a:ext uri="{909E8E84-426E-40DD-AFC4-6F175D3DCCD1}">
+              <a14:hiddenFill xmlns:a14="http://schemas.microsoft.com/office/drawing/2010/main">
+                <a:solidFill>
+                  <a:srgbClr val="FFFFFF"/>
+                </a:solidFill>
+              </a14:hiddenFill>
+            </a:ext>
+          </a:extLst>
+        </p:spPr>
+      </p:pic>
+      <p:sp>
+        <p:nvSpPr>
+          <p:cNvPr id="10" name="Rectangle 9">
+            <a:extLst>
+              <a:ext uri="{FF2B5EF4-FFF2-40B4-BE49-F238E27FC236}">
+                <a16:creationId xmlns:a16="http://schemas.microsoft.com/office/drawing/2014/main" id="{E19C8258-26CB-9694-3006-E8B4CBC950C1}"/>
+              </a:ext>
+            </a:extLst>
+          </p:cNvPr>
+          <p:cNvSpPr/>
+          <p:nvPr/>
+        </p:nvSpPr>
+        <p:spPr>
+          <a:xfrm>
+            <a:off x="9149144" y="3781116"/>
+            <a:ext cx="2477729" cy="444911"/>
+          </a:xfrm>
+          <a:prstGeom prst="rect">
+            <a:avLst/>
+          </a:prstGeom>
+        </p:spPr>
+        <p:style>
+          <a:lnRef idx="2">
+            <a:schemeClr val="accent6"/>
+          </a:lnRef>
+          <a:fillRef idx="1">
+            <a:schemeClr val="lt1"/>
+          </a:fillRef>
+          <a:effectRef idx="0">
+            <a:schemeClr val="accent6"/>
+          </a:effectRef>
+          <a:fontRef idx="minor">
+            <a:schemeClr val="dk1"/>
+          </a:fontRef>
+        </p:style>
+        <p:txBody>
+          <a:bodyPr rtlCol="0" anchor="ctr"/>
+          <a:lstStyle/>
+          <a:p>
+            <a:pPr algn="ctr"/>
             <a:r>
               <a:rPr lang="en-US" dirty="0"/>
-              <a:t> Smart Monitoring – Tracks and records waste levels.</a:t>
-            </a:r>
-          </a:p>
-          <a:p>
-            <a:pPr marL="285750" indent="-285750">
-              <a:buFont typeface="Arial" panose="020B0604020202020204" pitchFamily="34" charset="0"/>
-              <a:buChar char="•"/>
-            </a:pPr>
+              <a:t>Servo motor</a:t>
+            </a:r>
+            <a:endParaRPr lang="en-IN" dirty="0"/>
+          </a:p>
+        </p:txBody>
+      </p:sp>
+      <p:pic>
+        <p:nvPicPr>
+          <p:cNvPr id="1036" name="Picture 12" descr="Jump wire - Wikipedia">
+            <a:extLst>
+              <a:ext uri="{FF2B5EF4-FFF2-40B4-BE49-F238E27FC236}">
+                <a16:creationId xmlns:a16="http://schemas.microsoft.com/office/drawing/2014/main" id="{166760B4-9D2E-52DA-3DDE-A1519395CB62}"/>
+              </a:ext>
+            </a:extLst>
+          </p:cNvPr>
+          <p:cNvPicPr>
+            <a:picLocks noChangeAspect="1" noChangeArrowheads="1"/>
+          </p:cNvPicPr>
+          <p:nvPr/>
+        </p:nvPicPr>
+        <p:blipFill>
+          <a:blip r:embed="rId6">
+            <a:extLst>
+              <a:ext uri="{28A0092B-C50C-407E-A947-70E740481C1C}">
+                <a14:useLocalDpi xmlns:a14="http://schemas.microsoft.com/office/drawing/2010/main" val="0"/>
+              </a:ext>
+            </a:extLst>
+          </a:blip>
+          <a:srcRect/>
+          <a:stretch>
+            <a:fillRect/>
+          </a:stretch>
+        </p:blipFill>
+        <p:spPr bwMode="auto">
+          <a:xfrm>
+            <a:off x="2249744" y="4249686"/>
+            <a:ext cx="3540638" cy="2332703"/>
+          </a:xfrm>
+          <a:prstGeom prst="rect">
+            <a:avLst/>
+          </a:prstGeom>
+          <a:noFill/>
+          <a:extLst>
+            <a:ext uri="{909E8E84-426E-40DD-AFC4-6F175D3DCCD1}">
+              <a14:hiddenFill xmlns:a14="http://schemas.microsoft.com/office/drawing/2010/main">
+                <a:solidFill>
+                  <a:srgbClr val="FFFFFF"/>
+                </a:solidFill>
+              </a14:hiddenFill>
+            </a:ext>
+          </a:extLst>
+        </p:spPr>
+      </p:pic>
+      <p:sp>
+        <p:nvSpPr>
+          <p:cNvPr id="12" name="Rectangle 11">
+            <a:extLst>
+              <a:ext uri="{FF2B5EF4-FFF2-40B4-BE49-F238E27FC236}">
+                <a16:creationId xmlns:a16="http://schemas.microsoft.com/office/drawing/2014/main" id="{707A21F1-00EA-D9E9-D428-8F5B799C661E}"/>
+              </a:ext>
+            </a:extLst>
+          </p:cNvPr>
+          <p:cNvSpPr/>
+          <p:nvPr/>
+        </p:nvSpPr>
+        <p:spPr>
+          <a:xfrm>
+            <a:off x="2848048" y="6300634"/>
+            <a:ext cx="2621526" cy="546304"/>
+          </a:xfrm>
+          <a:prstGeom prst="rect">
+            <a:avLst/>
+          </a:prstGeom>
+        </p:spPr>
+        <p:style>
+          <a:lnRef idx="2">
+            <a:schemeClr val="accent6"/>
+          </a:lnRef>
+          <a:fillRef idx="1">
+            <a:schemeClr val="lt1"/>
+          </a:fillRef>
+          <a:effectRef idx="0">
+            <a:schemeClr val="accent6"/>
+          </a:effectRef>
+          <a:fontRef idx="minor">
+            <a:schemeClr val="dk1"/>
+          </a:fontRef>
+        </p:style>
+        <p:txBody>
+          <a:bodyPr rtlCol="0" anchor="ctr"/>
+          <a:lstStyle/>
+          <a:p>
+            <a:pPr algn="ctr"/>
             <a:r>
               <a:rPr lang="en-US" dirty="0"/>
-              <a:t>Less Effort – Makes work easier for cleaning staff.</a:t>
-            </a:r>
-          </a:p>
-          <a:p>
-            <a:pPr marL="285750" indent="-285750">
-              <a:buFont typeface="Arial" panose="020B0604020202020204" pitchFamily="34" charset="0"/>
-              <a:buChar char="•"/>
-            </a:pPr>
+              <a:t>Jumper wires</a:t>
+            </a:r>
+            <a:endParaRPr lang="en-IN" dirty="0"/>
+          </a:p>
+        </p:txBody>
+      </p:sp>
+      <p:pic>
+        <p:nvPicPr>
+          <p:cNvPr id="1038" name="Picture 14" descr="9V HI-Watt Battery, Pack of 5 by Robokart : Amazon.in: Electronics">
+            <a:extLst>
+              <a:ext uri="{FF2B5EF4-FFF2-40B4-BE49-F238E27FC236}">
+                <a16:creationId xmlns:a16="http://schemas.microsoft.com/office/drawing/2014/main" id="{690D318B-1C85-7517-CBA3-27645B585922}"/>
+              </a:ext>
+            </a:extLst>
+          </p:cNvPr>
+          <p:cNvPicPr>
+            <a:picLocks noChangeAspect="1" noChangeArrowheads="1"/>
+          </p:cNvPicPr>
+          <p:nvPr/>
+        </p:nvPicPr>
+        <p:blipFill>
+          <a:blip r:embed="rId7">
+            <a:extLst>
+              <a:ext uri="{28A0092B-C50C-407E-A947-70E740481C1C}">
+                <a14:useLocalDpi xmlns:a14="http://schemas.microsoft.com/office/drawing/2010/main" val="0"/>
+              </a:ext>
+            </a:extLst>
+          </a:blip>
+          <a:srcRect/>
+          <a:stretch>
+            <a:fillRect/>
+          </a:stretch>
+        </p:blipFill>
+        <p:spPr bwMode="auto">
+          <a:xfrm>
+            <a:off x="6676951" y="4177173"/>
+            <a:ext cx="2667001" cy="2327786"/>
+          </a:xfrm>
+          <a:prstGeom prst="rect">
+            <a:avLst/>
+          </a:prstGeom>
+          <a:noFill/>
+          <a:extLst>
+            <a:ext uri="{909E8E84-426E-40DD-AFC4-6F175D3DCCD1}">
+              <a14:hiddenFill xmlns:a14="http://schemas.microsoft.com/office/drawing/2010/main">
+                <a:solidFill>
+                  <a:srgbClr val="FFFFFF"/>
+                </a:solidFill>
+              </a14:hiddenFill>
+            </a:ext>
+          </a:extLst>
+        </p:spPr>
+      </p:pic>
+      <p:sp>
+        <p:nvSpPr>
+          <p:cNvPr id="14" name="Rectangle 13">
+            <a:extLst>
+              <a:ext uri="{FF2B5EF4-FFF2-40B4-BE49-F238E27FC236}">
+                <a16:creationId xmlns:a16="http://schemas.microsoft.com/office/drawing/2014/main" id="{4BFC3813-96E8-0D0F-6640-250AB66965AB}"/>
+              </a:ext>
+            </a:extLst>
+          </p:cNvPr>
+          <p:cNvSpPr/>
+          <p:nvPr/>
+        </p:nvSpPr>
+        <p:spPr>
+          <a:xfrm>
+            <a:off x="6959519" y="6231807"/>
+            <a:ext cx="2366532" cy="546304"/>
+          </a:xfrm>
+          <a:prstGeom prst="rect">
+            <a:avLst/>
+          </a:prstGeom>
+        </p:spPr>
+        <p:style>
+          <a:lnRef idx="2">
+            <a:schemeClr val="accent6"/>
+          </a:lnRef>
+          <a:fillRef idx="1">
+            <a:schemeClr val="lt1"/>
+          </a:fillRef>
+          <a:effectRef idx="0">
+            <a:schemeClr val="accent6"/>
+          </a:effectRef>
+          <a:fontRef idx="minor">
+            <a:schemeClr val="dk1"/>
+          </a:fontRef>
+        </p:style>
+        <p:txBody>
+          <a:bodyPr rtlCol="0" anchor="ctr"/>
+          <a:lstStyle/>
+          <a:p>
+            <a:pPr algn="ctr"/>
             <a:r>
               <a:rPr lang="en-US" dirty="0"/>
-              <a:t>Supports Smart Cities – Uses technology to improve public health.</a:t>
-            </a:r>
-          </a:p>
-          <a:p>
-            <a:r>
-              <a:rPr lang="en-IN" sz="2400" dirty="0"/>
-              <a:t>DISADVANTAGES</a:t>
-            </a:r>
-          </a:p>
-          <a:p>
-            <a:pPr marL="342900" indent="-342900">
-              <a:buFont typeface="Arial" panose="020B0604020202020204" pitchFamily="34" charset="0"/>
-              <a:buChar char="•"/>
-            </a:pPr>
-            <a:r>
-              <a:rPr lang="en-US" sz="1700" dirty="0"/>
-              <a:t>Costly – More expensive than a normal dustbin.</a:t>
-            </a:r>
-          </a:p>
-          <a:p>
-            <a:pPr marL="342900" indent="-342900">
-              <a:buFont typeface="Arial" panose="020B0604020202020204" pitchFamily="34" charset="0"/>
-              <a:buChar char="•"/>
-            </a:pPr>
-            <a:r>
-              <a:rPr lang="en-US" sz="1700" dirty="0"/>
-              <a:t>Needs Power – Requires battery or electricity to work.</a:t>
-            </a:r>
-          </a:p>
-          <a:p>
-            <a:pPr marL="342900" indent="-342900">
-              <a:buFont typeface="Arial" panose="020B0604020202020204" pitchFamily="34" charset="0"/>
-              <a:buChar char="•"/>
-            </a:pPr>
-            <a:r>
-              <a:rPr lang="en-US" sz="1700" dirty="0"/>
-              <a:t>Internet Required – Needs Wi-Fi for real-time alerts.</a:t>
-            </a:r>
-          </a:p>
-          <a:p>
-            <a:pPr marL="342900" indent="-342900">
-              <a:buFont typeface="Arial" panose="020B0604020202020204" pitchFamily="34" charset="0"/>
-              <a:buChar char="•"/>
-            </a:pPr>
-            <a:r>
-              <a:rPr lang="en-US" sz="1700" dirty="0"/>
-              <a:t>Maintenance – Sensors and circuits may need repair.</a:t>
-            </a:r>
-          </a:p>
-          <a:p>
-            <a:pPr marL="342900" indent="-342900">
-              <a:buFont typeface="Arial" panose="020B0604020202020204" pitchFamily="34" charset="0"/>
-              <a:buChar char="•"/>
-            </a:pPr>
-            <a:r>
-              <a:rPr lang="en-US" sz="1700" dirty="0"/>
-              <a:t>Not Weatherproof – Needs protection for outdoor use.</a:t>
-            </a:r>
-            <a:endParaRPr lang="en-IN" sz="1700" dirty="0"/>
+              <a:t>Battery</a:t>
+            </a:r>
+            <a:endParaRPr lang="en-IN" dirty="0"/>
           </a:p>
         </p:txBody>
       </p:sp>
     </p:spTree>
     <p:extLst>
       <p:ext uri="{BB962C8B-B14F-4D97-AF65-F5344CB8AC3E}">
-        <p14:creationId xmlns:p14="http://schemas.microsoft.com/office/powerpoint/2010/main" val="1171145370"/>
+        <p14:creationId xmlns:p14="http://schemas.microsoft.com/office/powerpoint/2010/main" val="591616413"/>
       </p:ext>
     </p:extLst>
   </p:cSld>
@@ -4006,7 +4445,7 @@
           <p:cNvPr id="2" name="Title 1">
             <a:extLst>
               <a:ext uri="{FF2B5EF4-FFF2-40B4-BE49-F238E27FC236}">
-                <a16:creationId xmlns:a16="http://schemas.microsoft.com/office/drawing/2014/main" id="{640C56C5-915F-69CD-164B-90D2C601A5B8}"/>
+                <a16:creationId xmlns:a16="http://schemas.microsoft.com/office/drawing/2014/main" id="{76D1CC9C-97CA-2411-523D-568C671EDB2B}"/>
               </a:ext>
             </a:extLst>
           </p:cNvPr>
@@ -4019,109 +4458,276 @@
         </p:nvSpPr>
         <p:spPr>
           <a:xfrm>
-            <a:off x="167150" y="393290"/>
-            <a:ext cx="10759886" cy="1126167"/>
-          </a:xfrm>
-        </p:spPr>
-        <p:txBody>
-          <a:bodyPr>
-            <a:normAutofit/>
-          </a:bodyPr>
-          <a:lstStyle/>
-          <a:p>
-            <a:r>
-              <a:rPr lang="en-US" sz="4400" dirty="0"/>
-              <a:t>INTERVIEW QUESTIONS</a:t>
-            </a:r>
-            <a:endParaRPr lang="en-IN" sz="4400" dirty="0"/>
-          </a:p>
-        </p:txBody>
-      </p:sp>
-      <p:sp>
-        <p:nvSpPr>
-          <p:cNvPr id="4" name="TextBox 3">
+            <a:off x="426027" y="384465"/>
+            <a:ext cx="10628827" cy="1469290"/>
+          </a:xfrm>
+        </p:spPr>
+        <p:txBody>
+          <a:bodyPr/>
+          <a:lstStyle/>
+          <a:p>
+            <a:r>
+              <a:rPr lang="en-US" dirty="0"/>
+              <a:t>Applications</a:t>
+            </a:r>
+            <a:endParaRPr lang="en-IN" dirty="0"/>
+          </a:p>
+        </p:txBody>
+      </p:sp>
+      <p:sp>
+        <p:nvSpPr>
+          <p:cNvPr id="3" name="Content Placeholder 2">
             <a:extLst>
               <a:ext uri="{FF2B5EF4-FFF2-40B4-BE49-F238E27FC236}">
-                <a16:creationId xmlns:a16="http://schemas.microsoft.com/office/drawing/2014/main" id="{424AFE42-87FB-64CA-C30E-724B6BCBFCF8}"/>
+                <a16:creationId xmlns:a16="http://schemas.microsoft.com/office/drawing/2014/main" id="{6C632772-D2E2-F118-395A-423F22D8EF7E}"/>
               </a:ext>
             </a:extLst>
           </p:cNvPr>
-          <p:cNvSpPr txBox="1"/>
-          <p:nvPr/>
-        </p:nvSpPr>
-        <p:spPr>
-          <a:xfrm>
-            <a:off x="167151" y="2359742"/>
-            <a:ext cx="10432024" cy="3046988"/>
-          </a:xfrm>
-          <a:prstGeom prst="rect">
-            <a:avLst/>
-          </a:prstGeom>
-          <a:noFill/>
-        </p:spPr>
-        <p:txBody>
-          <a:bodyPr wrap="square">
-            <a:spAutoFit/>
+          <p:cNvSpPr>
+            <a:spLocks noGrp="1"/>
+          </p:cNvSpPr>
+          <p:nvPr>
+            <p:ph idx="1"/>
+          </p:nvPr>
+        </p:nvSpPr>
+        <p:spPr>
+          <a:xfrm>
+            <a:off x="426027" y="2036513"/>
+            <a:ext cx="11128664" cy="3803178"/>
+          </a:xfrm>
+        </p:spPr>
+        <p:txBody>
+          <a:bodyPr>
+            <a:noAutofit/>
           </a:bodyPr>
           <a:lstStyle/>
           <a:p>
-            <a:r>
-              <a:rPr lang="en-US" sz="2000" dirty="0"/>
-              <a:t>1</a:t>
-            </a:r>
-            <a:r>
-              <a:rPr lang="en-US" sz="2400" dirty="0"/>
-              <a:t>.Do you often see full or overflowing dustbins in your area?</a:t>
-            </a:r>
-          </a:p>
-          <a:p>
-            <a:r>
-              <a:rPr lang="en-US" sz="2400" dirty="0"/>
-              <a:t>2. How do you feel when you see a dirty or smelly dustbin?</a:t>
-            </a:r>
-          </a:p>
-          <a:p>
-            <a:r>
-              <a:rPr lang="en-US" sz="2400" dirty="0"/>
-              <a:t>3. Would you like a dustbin that opens automatically when you go near it?</a:t>
-            </a:r>
-          </a:p>
-          <a:p>
-            <a:r>
-              <a:rPr lang="en-US" sz="2400" dirty="0"/>
-              <a:t>4. Do you think a dustbin that tells when it’s full is useful?</a:t>
-            </a:r>
-          </a:p>
-          <a:p>
-            <a:r>
-              <a:rPr lang="en-US" sz="2400" dirty="0"/>
-              <a:t>5. Do you believe smart dustbins can help keep public places cleaner?</a:t>
-            </a:r>
-          </a:p>
-          <a:p>
-            <a:r>
-              <a:rPr lang="en-US" sz="2400" dirty="0"/>
-              <a:t>6. Do you think smart dustbins can help reduce the work of cleaning staff?</a:t>
-            </a:r>
-          </a:p>
-          <a:p>
-            <a:r>
-              <a:rPr lang="en-US" sz="2400" dirty="0"/>
-              <a:t>7. Would you like to see smart dustbins in places like parks, schools, or markets?</a:t>
-            </a:r>
-          </a:p>
-          <a:p>
-            <a:r>
-              <a:rPr lang="en-US" sz="2400" dirty="0"/>
-              <a:t>8. What one feature would you like in a dustbin to make it better?</a:t>
-            </a:r>
+            <a:pPr marL="0" marR="0" lvl="0" indent="0" algn="l" defTabSz="914400" rtl="0" eaLnBrk="0" fontAlgn="base" latinLnBrk="0" hangingPunct="0">
+              <a:lnSpc>
+                <a:spcPct val="100000"/>
+              </a:lnSpc>
+              <a:spcBef>
+                <a:spcPct val="0"/>
+              </a:spcBef>
+              <a:spcAft>
+                <a:spcPct val="0"/>
+              </a:spcAft>
+              <a:buClrTx/>
+              <a:buSzTx/>
+              <a:buFontTx/>
+              <a:buChar char="•"/>
+              <a:tabLst/>
+            </a:pPr>
+            <a:r>
+              <a:rPr kumimoji="0" lang="en-US" altLang="en-US" sz="2400" b="1" i="0" u="none" strike="noStrike" cap="none" normalizeH="0" baseline="0" dirty="0">
+                <a:ln>
+                  <a:noFill/>
+                </a:ln>
+                <a:solidFill>
+                  <a:schemeClr val="tx1"/>
+                </a:solidFill>
+                <a:effectLst/>
+                <a:latin typeface="Arial" panose="020B0604020202020204" pitchFamily="34" charset="0"/>
+              </a:rPr>
+              <a:t>Hospitals:</a:t>
+            </a:r>
+            <a:r>
+              <a:rPr kumimoji="0" lang="en-US" altLang="en-US" sz="2400" b="0" i="0" u="none" strike="noStrike" cap="none" normalizeH="0" baseline="0" dirty="0">
+                <a:ln>
+                  <a:noFill/>
+                </a:ln>
+                <a:solidFill>
+                  <a:schemeClr val="tx1"/>
+                </a:solidFill>
+                <a:effectLst/>
+                <a:latin typeface="Arial" panose="020B0604020202020204" pitchFamily="34" charset="0"/>
+              </a:rPr>
+              <a:t> The dustbin can move by itself to collect dirty stuff, so nurses don't have to carry it around and risk getting sick. </a:t>
+            </a:r>
+          </a:p>
+          <a:p>
+            <a:pPr marL="0" marR="0" lvl="0" indent="0" algn="l" defTabSz="914400" rtl="0" eaLnBrk="0" fontAlgn="base" latinLnBrk="0" hangingPunct="0">
+              <a:lnSpc>
+                <a:spcPct val="100000"/>
+              </a:lnSpc>
+              <a:spcBef>
+                <a:spcPct val="0"/>
+              </a:spcBef>
+              <a:spcAft>
+                <a:spcPct val="0"/>
+              </a:spcAft>
+              <a:buClrTx/>
+              <a:buSzTx/>
+              <a:buFontTx/>
+              <a:buChar char="•"/>
+              <a:tabLst/>
+            </a:pPr>
+            <a:r>
+              <a:rPr kumimoji="0" lang="en-US" altLang="en-US" sz="2400" b="1" i="0" u="none" strike="noStrike" cap="none" normalizeH="0" baseline="0" dirty="0">
+                <a:ln>
+                  <a:noFill/>
+                </a:ln>
+                <a:solidFill>
+                  <a:schemeClr val="tx1"/>
+                </a:solidFill>
+                <a:effectLst/>
+                <a:latin typeface="Arial" panose="020B0604020202020204" pitchFamily="34" charset="0"/>
+              </a:rPr>
+              <a:t>Big Apartments:</a:t>
+            </a:r>
+            <a:r>
+              <a:rPr kumimoji="0" lang="en-US" altLang="en-US" sz="2400" b="0" i="0" u="none" strike="noStrike" cap="none" normalizeH="0" baseline="0" dirty="0">
+                <a:ln>
+                  <a:noFill/>
+                </a:ln>
+                <a:solidFill>
+                  <a:schemeClr val="tx1"/>
+                </a:solidFill>
+                <a:effectLst/>
+                <a:latin typeface="Arial" panose="020B0604020202020204" pitchFamily="34" charset="0"/>
+              </a:rPr>
+              <a:t> It can go to different spots to pick up trash from people's homes, making it easier for everyone. </a:t>
+            </a:r>
+          </a:p>
+          <a:p>
+            <a:pPr marL="0" marR="0" lvl="0" indent="0" algn="l" defTabSz="914400" rtl="0" eaLnBrk="0" fontAlgn="base" latinLnBrk="0" hangingPunct="0">
+              <a:lnSpc>
+                <a:spcPct val="100000"/>
+              </a:lnSpc>
+              <a:spcBef>
+                <a:spcPct val="0"/>
+              </a:spcBef>
+              <a:spcAft>
+                <a:spcPct val="0"/>
+              </a:spcAft>
+              <a:buClrTx/>
+              <a:buSzTx/>
+              <a:buFontTx/>
+              <a:buChar char="•"/>
+              <a:tabLst/>
+            </a:pPr>
+            <a:r>
+              <a:rPr kumimoji="0" lang="en-US" altLang="en-US" sz="2400" b="1" i="0" u="none" strike="noStrike" cap="none" normalizeH="0" baseline="0" dirty="0">
+                <a:ln>
+                  <a:noFill/>
+                </a:ln>
+                <a:solidFill>
+                  <a:schemeClr val="tx1"/>
+                </a:solidFill>
+                <a:effectLst/>
+                <a:latin typeface="Arial" panose="020B0604020202020204" pitchFamily="34" charset="0"/>
+              </a:rPr>
+              <a:t>Factories:</a:t>
+            </a:r>
+            <a:r>
+              <a:rPr kumimoji="0" lang="en-US" altLang="en-US" sz="2400" b="0" i="0" u="none" strike="noStrike" cap="none" normalizeH="0" baseline="0" dirty="0">
+                <a:ln>
+                  <a:noFill/>
+                </a:ln>
+                <a:solidFill>
+                  <a:schemeClr val="tx1"/>
+                </a:solidFill>
+                <a:effectLst/>
+                <a:latin typeface="Arial" panose="020B0604020202020204" pitchFamily="34" charset="0"/>
+              </a:rPr>
+              <a:t> It can carry waste from where things are made to a central place without people having to do it. </a:t>
+            </a:r>
+          </a:p>
+          <a:p>
+            <a:pPr marL="0" marR="0" lvl="0" indent="0" algn="l" defTabSz="914400" rtl="0" eaLnBrk="0" fontAlgn="base" latinLnBrk="0" hangingPunct="0">
+              <a:lnSpc>
+                <a:spcPct val="100000"/>
+              </a:lnSpc>
+              <a:spcBef>
+                <a:spcPct val="0"/>
+              </a:spcBef>
+              <a:spcAft>
+                <a:spcPct val="0"/>
+              </a:spcAft>
+              <a:buClrTx/>
+              <a:buSzTx/>
+              <a:buFontTx/>
+              <a:buChar char="•"/>
+              <a:tabLst/>
+            </a:pPr>
+            <a:r>
+              <a:rPr kumimoji="0" lang="en-US" altLang="en-US" sz="2400" b="1" i="0" u="none" strike="noStrike" cap="none" normalizeH="0" baseline="0" dirty="0">
+                <a:ln>
+                  <a:noFill/>
+                </a:ln>
+                <a:solidFill>
+                  <a:schemeClr val="tx1"/>
+                </a:solidFill>
+                <a:effectLst/>
+                <a:latin typeface="Arial" panose="020B0604020202020204" pitchFamily="34" charset="0"/>
+              </a:rPr>
+              <a:t>Schools:</a:t>
+            </a:r>
+            <a:r>
+              <a:rPr kumimoji="0" lang="en-US" altLang="en-US" sz="2400" b="0" i="0" u="none" strike="noStrike" cap="none" normalizeH="0" baseline="0" dirty="0">
+                <a:ln>
+                  <a:noFill/>
+                </a:ln>
+                <a:solidFill>
+                  <a:schemeClr val="tx1"/>
+                </a:solidFill>
+                <a:effectLst/>
+                <a:latin typeface="Arial" panose="020B0604020202020204" pitchFamily="34" charset="0"/>
+              </a:rPr>
+              <a:t> It can go around classrooms and collect trash, keeping the school cleaner. </a:t>
+            </a:r>
+          </a:p>
+          <a:p>
+            <a:pPr marL="0" marR="0" lvl="0" indent="0" algn="l" defTabSz="914400" rtl="0" eaLnBrk="0" fontAlgn="base" latinLnBrk="0" hangingPunct="0">
+              <a:lnSpc>
+                <a:spcPct val="100000"/>
+              </a:lnSpc>
+              <a:spcBef>
+                <a:spcPct val="0"/>
+              </a:spcBef>
+              <a:spcAft>
+                <a:spcPct val="0"/>
+              </a:spcAft>
+              <a:buClrTx/>
+              <a:buSzTx/>
+              <a:buFontTx/>
+              <a:buChar char="•"/>
+              <a:tabLst/>
+            </a:pPr>
+            <a:r>
+              <a:rPr kumimoji="0" lang="en-US" altLang="en-US" sz="2400" b="1" i="0" u="none" strike="noStrike" cap="none" normalizeH="0" baseline="0" dirty="0">
+                <a:ln>
+                  <a:noFill/>
+                </a:ln>
+                <a:solidFill>
+                  <a:schemeClr val="tx1"/>
+                </a:solidFill>
+                <a:effectLst/>
+                <a:latin typeface="Arial" panose="020B0604020202020204" pitchFamily="34" charset="0"/>
+              </a:rPr>
+              <a:t>Shops:</a:t>
+            </a:r>
+            <a:r>
+              <a:rPr kumimoji="0" lang="en-US" altLang="en-US" sz="2400" b="0" i="0" u="none" strike="noStrike" cap="none" normalizeH="0" baseline="0" dirty="0">
+                <a:ln>
+                  <a:noFill/>
+                </a:ln>
+                <a:solidFill>
+                  <a:schemeClr val="tx1"/>
+                </a:solidFill>
+                <a:effectLst/>
+                <a:latin typeface="Arial" panose="020B0604020202020204" pitchFamily="34" charset="0"/>
+              </a:rPr>
+              <a:t> It can move around and collect waste in busy shopping areas</a:t>
+            </a:r>
+            <a:endParaRPr lang="en-IN" sz="2400" dirty="0"/>
           </a:p>
         </p:txBody>
       </p:sp>
     </p:spTree>
     <p:extLst>
       <p:ext uri="{BB962C8B-B14F-4D97-AF65-F5344CB8AC3E}">
-        <p14:creationId xmlns:p14="http://schemas.microsoft.com/office/powerpoint/2010/main" val="346211299"/>
+        <p14:creationId xmlns:p14="http://schemas.microsoft.com/office/powerpoint/2010/main" val="2962248081"/>
       </p:ext>
     </p:extLst>
   </p:cSld>
@@ -4153,6 +4759,274 @@
           <p:cNvPr id="2" name="Title 1">
             <a:extLst>
               <a:ext uri="{FF2B5EF4-FFF2-40B4-BE49-F238E27FC236}">
+                <a16:creationId xmlns:a16="http://schemas.microsoft.com/office/drawing/2014/main" id="{A1F9104E-0D42-2A6F-7C29-9A7E6F803A30}"/>
+              </a:ext>
+            </a:extLst>
+          </p:cNvPr>
+          <p:cNvSpPr>
+            <a:spLocks noGrp="1"/>
+          </p:cNvSpPr>
+          <p:nvPr>
+            <p:ph type="title"/>
+          </p:nvPr>
+        </p:nvSpPr>
+        <p:spPr>
+          <a:xfrm>
+            <a:off x="363683" y="0"/>
+            <a:ext cx="10691172" cy="1853755"/>
+          </a:xfrm>
+        </p:spPr>
+        <p:txBody>
+          <a:bodyPr/>
+          <a:lstStyle/>
+          <a:p>
+            <a:r>
+              <a:rPr lang="en-US" dirty="0"/>
+              <a:t>How it works?</a:t>
+            </a:r>
+            <a:endParaRPr lang="en-IN" dirty="0"/>
+          </a:p>
+        </p:txBody>
+      </p:sp>
+      <p:pic>
+        <p:nvPicPr>
+          <p:cNvPr id="4098" name="Picture 2" descr="Smart Dustbin For Metro Cities | Embedded Projects | TYT">
+            <a:extLst>
+              <a:ext uri="{FF2B5EF4-FFF2-40B4-BE49-F238E27FC236}">
+                <a16:creationId xmlns:a16="http://schemas.microsoft.com/office/drawing/2014/main" id="{43BB41A8-68FA-F075-77E1-EA47AC058854}"/>
+              </a:ext>
+            </a:extLst>
+          </p:cNvPr>
+          <p:cNvPicPr>
+            <a:picLocks noGrp="1" noChangeAspect="1" noChangeArrowheads="1"/>
+          </p:cNvPicPr>
+          <p:nvPr>
+            <p:ph idx="1"/>
+          </p:nvPr>
+        </p:nvPicPr>
+        <p:blipFill>
+          <a:blip r:embed="rId2">
+            <a:extLst>
+              <a:ext uri="{28A0092B-C50C-407E-A947-70E740481C1C}">
+                <a14:useLocalDpi xmlns:a14="http://schemas.microsoft.com/office/drawing/2010/main" val="0"/>
+              </a:ext>
+            </a:extLst>
+          </a:blip>
+          <a:srcRect/>
+          <a:stretch>
+            <a:fillRect/>
+          </a:stretch>
+        </p:blipFill>
+        <p:spPr bwMode="auto">
+          <a:xfrm>
+            <a:off x="1137145" y="332509"/>
+            <a:ext cx="7907481" cy="6691744"/>
+          </a:xfrm>
+          <a:prstGeom prst="rect">
+            <a:avLst/>
+          </a:prstGeom>
+          <a:noFill/>
+          <a:extLst>
+            <a:ext uri="{909E8E84-426E-40DD-AFC4-6F175D3DCCD1}">
+              <a14:hiddenFill xmlns:a14="http://schemas.microsoft.com/office/drawing/2010/main">
+                <a:solidFill>
+                  <a:srgbClr val="FFFFFF"/>
+                </a:solidFill>
+              </a14:hiddenFill>
+            </a:ext>
+          </a:extLst>
+        </p:spPr>
+      </p:pic>
+    </p:spTree>
+    <p:extLst>
+      <p:ext uri="{BB962C8B-B14F-4D97-AF65-F5344CB8AC3E}">
+        <p14:creationId xmlns:p14="http://schemas.microsoft.com/office/powerpoint/2010/main" val="855644933"/>
+      </p:ext>
+    </p:extLst>
+  </p:cSld>
+  <p:clrMapOvr>
+    <a:masterClrMapping/>
+  </p:clrMapOvr>
+</p:sld>
+</file>
+
+<file path=ppt/slides/slide13.xml><?xml version="1.0" encoding="utf-8"?>
+<p:sld xmlns:a="http://schemas.openxmlformats.org/drawingml/2006/main" xmlns:r="http://schemas.openxmlformats.org/officeDocument/2006/relationships" xmlns:p="http://schemas.openxmlformats.org/presentationml/2006/main">
+  <p:cSld>
+    <p:spTree>
+      <p:nvGrpSpPr>
+        <p:cNvPr id="1" name=""/>
+        <p:cNvGrpSpPr/>
+        <p:nvPr/>
+      </p:nvGrpSpPr>
+      <p:grpSpPr>
+        <a:xfrm>
+          <a:off x="0" y="0"/>
+          <a:ext cx="0" cy="0"/>
+          <a:chOff x="0" y="0"/>
+          <a:chExt cx="0" cy="0"/>
+        </a:xfrm>
+      </p:grpSpPr>
+      <p:sp>
+        <p:nvSpPr>
+          <p:cNvPr id="2" name="Title 1">
+            <a:extLst>
+              <a:ext uri="{FF2B5EF4-FFF2-40B4-BE49-F238E27FC236}">
+                <a16:creationId xmlns:a16="http://schemas.microsoft.com/office/drawing/2014/main" id="{640C56C5-915F-69CD-164B-90D2C601A5B8}"/>
+              </a:ext>
+            </a:extLst>
+          </p:cNvPr>
+          <p:cNvSpPr>
+            <a:spLocks noGrp="1"/>
+          </p:cNvSpPr>
+          <p:nvPr>
+            <p:ph type="title"/>
+          </p:nvPr>
+        </p:nvSpPr>
+        <p:spPr>
+          <a:xfrm>
+            <a:off x="167150" y="393290"/>
+            <a:ext cx="10759886" cy="1126167"/>
+          </a:xfrm>
+        </p:spPr>
+        <p:txBody>
+          <a:bodyPr>
+            <a:normAutofit/>
+          </a:bodyPr>
+          <a:lstStyle/>
+          <a:p>
+            <a:r>
+              <a:rPr lang="en-US" sz="4400" dirty="0"/>
+              <a:t>INTERVIEW QUESTIONS</a:t>
+            </a:r>
+            <a:endParaRPr lang="en-IN" sz="4400" dirty="0"/>
+          </a:p>
+        </p:txBody>
+      </p:sp>
+      <p:sp>
+        <p:nvSpPr>
+          <p:cNvPr id="4" name="TextBox 3">
+            <a:extLst>
+              <a:ext uri="{FF2B5EF4-FFF2-40B4-BE49-F238E27FC236}">
+                <a16:creationId xmlns:a16="http://schemas.microsoft.com/office/drawing/2014/main" id="{424AFE42-87FB-64CA-C30E-724B6BCBFCF8}"/>
+              </a:ext>
+            </a:extLst>
+          </p:cNvPr>
+          <p:cNvSpPr txBox="1"/>
+          <p:nvPr/>
+        </p:nvSpPr>
+        <p:spPr>
+          <a:xfrm>
+            <a:off x="167151" y="2359742"/>
+            <a:ext cx="10432024" cy="3046988"/>
+          </a:xfrm>
+          <a:prstGeom prst="rect">
+            <a:avLst/>
+          </a:prstGeom>
+          <a:noFill/>
+        </p:spPr>
+        <p:txBody>
+          <a:bodyPr wrap="square">
+            <a:spAutoFit/>
+          </a:bodyPr>
+          <a:lstStyle/>
+          <a:p>
+            <a:pPr marL="457200" indent="-457200">
+              <a:buAutoNum type="arabicPeriod"/>
+            </a:pPr>
+            <a:r>
+              <a:rPr lang="en-US" sz="2400" dirty="0"/>
+              <a:t>Do you feel comfortable touching a dustbin in public places?</a:t>
+            </a:r>
+          </a:p>
+          <a:p>
+            <a:pPr marL="457200" indent="-457200">
+              <a:buAutoNum type="arabicPeriod"/>
+            </a:pPr>
+            <a:r>
+              <a:rPr lang="en-US" sz="2400" dirty="0"/>
+              <a:t>Have you ever avoided throwing trash because the dustbin was too far?</a:t>
+            </a:r>
+          </a:p>
+          <a:p>
+            <a:pPr marL="457200" indent="-457200">
+              <a:buAutoNum type="arabicPeriod"/>
+            </a:pPr>
+            <a:r>
+              <a:rPr lang="en-US" sz="2400" dirty="0"/>
+              <a:t> Would you prefer a dustbin that opens automatically?</a:t>
+            </a:r>
+          </a:p>
+          <a:p>
+            <a:pPr marL="457200" indent="-457200">
+              <a:buAutoNum type="arabicPeriod"/>
+            </a:pPr>
+            <a:r>
+              <a:rPr lang="en-US" sz="2400" dirty="0"/>
+              <a:t>Do you think a dustbin that moves on its own would be helpful?</a:t>
+            </a:r>
+          </a:p>
+          <a:p>
+            <a:pPr marL="457200" indent="-457200">
+              <a:buAutoNum type="arabicPeriod"/>
+            </a:pPr>
+            <a:r>
+              <a:rPr lang="en-US" sz="2400" dirty="0"/>
+              <a:t> Where do you think a smart dustbin would be most useful (school, hospital, etc.)?</a:t>
+            </a:r>
+          </a:p>
+          <a:p>
+            <a:pPr marL="457200" indent="-457200">
+              <a:buAutoNum type="arabicPeriod"/>
+            </a:pPr>
+            <a:r>
+              <a:rPr lang="en-US" sz="2400" dirty="0"/>
+              <a:t>What problems do you face with dustbins in your daily life?</a:t>
+            </a:r>
+          </a:p>
+          <a:p>
+            <a:r>
+              <a:rPr lang="en-US" sz="2400" dirty="0"/>
+              <a:t>7.   Would a touchless dustbin make you feel safer or cleaner?</a:t>
+            </a:r>
+          </a:p>
+        </p:txBody>
+      </p:sp>
+    </p:spTree>
+    <p:extLst>
+      <p:ext uri="{BB962C8B-B14F-4D97-AF65-F5344CB8AC3E}">
+        <p14:creationId xmlns:p14="http://schemas.microsoft.com/office/powerpoint/2010/main" val="346211299"/>
+      </p:ext>
+    </p:extLst>
+  </p:cSld>
+  <p:clrMapOvr>
+    <a:masterClrMapping/>
+  </p:clrMapOvr>
+</p:sld>
+</file>
+
+<file path=ppt/slides/slide14.xml><?xml version="1.0" encoding="utf-8"?>
+<p:sld xmlns:a="http://schemas.openxmlformats.org/drawingml/2006/main" xmlns:r="http://schemas.openxmlformats.org/officeDocument/2006/relationships" xmlns:p="http://schemas.openxmlformats.org/presentationml/2006/main">
+  <p:cSld>
+    <p:spTree>
+      <p:nvGrpSpPr>
+        <p:cNvPr id="1" name=""/>
+        <p:cNvGrpSpPr/>
+        <p:nvPr/>
+      </p:nvGrpSpPr>
+      <p:grpSpPr>
+        <a:xfrm>
+          <a:off x="0" y="0"/>
+          <a:ext cx="0" cy="0"/>
+          <a:chOff x="0" y="0"/>
+          <a:chExt cx="0" cy="0"/>
+        </a:xfrm>
+      </p:grpSpPr>
+      <p:sp>
+        <p:nvSpPr>
+          <p:cNvPr id="2" name="Title 1">
+            <a:extLst>
+              <a:ext uri="{FF2B5EF4-FFF2-40B4-BE49-F238E27FC236}">
                 <a16:creationId xmlns:a16="http://schemas.microsoft.com/office/drawing/2014/main" id="{164AB046-840E-250E-5099-7B3C6BC7CC57}"/>
               </a:ext>
             </a:extLst>
@@ -4200,8 +5074,8 @@
         </p:nvSpPr>
         <p:spPr>
           <a:xfrm>
-            <a:off x="186813" y="1864194"/>
-            <a:ext cx="6567948" cy="4026128"/>
+            <a:off x="186813" y="1756065"/>
+            <a:ext cx="6567948" cy="4935680"/>
           </a:xfrm>
         </p:spPr>
         <p:txBody>
@@ -4211,12 +5085,10 @@
           <a:lstStyle/>
           <a:p>
             <a:r>
-              <a:rPr lang="en-IN" sz="2000" dirty="0"/>
-              <a:t>The Smart Dustbin using IoT is a step toward building smarter, cleaner, and more sustainable environments. By integrating sensors, automation, and internet connectivity, it reduces human contact with waste, enhances hygiene, and streamlines the waste management process. This project demonstrates how innovative thinking and empathy can work together to solve real-world problems. It not only benefits users and sanitation workers but also contributes to the development of smart cities and environmental care.</a:t>
-            </a:r>
-          </a:p>
-          <a:p>
-            <a:endParaRPr lang="en-IN" dirty="0"/>
+              <a:rPr lang="en-US" sz="2400" dirty="0"/>
+              <a:t>The smart dustbin project was made to help people throw waste easily and safely. It can move by itself by following a line and opens the lid automatically when someone comes near. This makes it touch-free, clean, and convenient to use in places like schools, hospitals, and offices. The project helps keep the environment tidy and supports better hygiene. It is a smart step toward using technology to solve small everyday problems in a smart way.</a:t>
+            </a:r>
+            <a:endParaRPr lang="en-IN" sz="2400" dirty="0"/>
           </a:p>
         </p:txBody>
       </p:sp>
@@ -4280,7 +5152,7 @@
 </p:sld>
 </file>
 
-<file path=ppt/slides/slide13.xml><?xml version="1.0" encoding="utf-8"?>
+<file path=ppt/slides/slide15.xml><?xml version="1.0" encoding="utf-8"?>
 <p:sld xmlns:a="http://schemas.openxmlformats.org/drawingml/2006/main" xmlns:r="http://schemas.openxmlformats.org/officeDocument/2006/relationships" xmlns:p="http://schemas.openxmlformats.org/presentationml/2006/main">
   <p:cSld>
     <p:spTree>
@@ -4951,10 +5823,10 @@
       </p:sp>
       <p:sp>
         <p:nvSpPr>
-          <p:cNvPr id="3" name="Content Placeholder 2">
+          <p:cNvPr id="4" name="Content Placeholder 3">
             <a:extLst>
               <a:ext uri="{FF2B5EF4-FFF2-40B4-BE49-F238E27FC236}">
-                <a16:creationId xmlns:a16="http://schemas.microsoft.com/office/drawing/2014/main" id="{7842CD69-A7D8-207C-99C7-FD64AB9FF1CA}"/>
+                <a16:creationId xmlns:a16="http://schemas.microsoft.com/office/drawing/2014/main" id="{A5E7DF0F-2345-1B87-3606-0FFF7C743092}"/>
               </a:ext>
             </a:extLst>
           </p:cNvPr>
@@ -4967,8 +5839,8 @@
         </p:nvSpPr>
         <p:spPr>
           <a:xfrm>
-            <a:off x="255639" y="2015732"/>
-            <a:ext cx="10799215" cy="3450613"/>
+            <a:off x="1" y="1880755"/>
+            <a:ext cx="12192000" cy="4426526"/>
           </a:xfrm>
         </p:spPr>
         <p:txBody>
@@ -4979,12 +5851,95 @@
           <a:p>
             <a:r>
               <a:rPr lang="en-US" sz="2400" dirty="0"/>
-              <a:t>Traditional waste disposal systems face challenges such as irregular waste collection, overflowing dustbins, unhygienic conditions, and inefficient use of resources. These issues lead to environmental pollution, spread of diseases, and increased operational costs. There is a need for an intelligent waste management system that can monitor the fill levels of dustbins in real-time and optimize waste collection processes."</a:t>
+              <a:t>In places like offices, schools, and hospitals,</a:t>
+            </a:r>
+          </a:p>
+          <a:p>
+            <a:pPr marL="0" indent="0">
+              <a:buNone/>
+            </a:pPr>
+            <a:r>
+              <a:rPr lang="en-US" sz="2400" dirty="0"/>
+              <a:t> people often find it difficult to walk to the </a:t>
+            </a:r>
+          </a:p>
+          <a:p>
+            <a:pPr marL="0" indent="0">
+              <a:buNone/>
+            </a:pPr>
+            <a:r>
+              <a:rPr lang="en-US" sz="2400" dirty="0"/>
+              <a:t>dustbin, and touching the lid can be unhygienic.</a:t>
+            </a:r>
+          </a:p>
+          <a:p>
+            <a:pPr marL="0" indent="0">
+              <a:buNone/>
+            </a:pPr>
+            <a:r>
+              <a:rPr lang="en-US" sz="2400" dirty="0"/>
+              <a:t>Fixed dustbins can't move and may not always</a:t>
+            </a:r>
+          </a:p>
+          <a:p>
+            <a:pPr marL="0" indent="0">
+              <a:buNone/>
+            </a:pPr>
+            <a:r>
+              <a:rPr lang="en-US" sz="2400" dirty="0"/>
+              <a:t>be nearby when needed.</a:t>
             </a:r>
             <a:endParaRPr lang="en-IN" sz="2400" dirty="0"/>
           </a:p>
         </p:txBody>
       </p:sp>
+      <p:pic>
+        <p:nvPicPr>
+          <p:cNvPr id="1028" name="Picture 4" descr="Developing a Statement of the Problem Part I | educational research  techniques">
+            <a:extLst>
+              <a:ext uri="{FF2B5EF4-FFF2-40B4-BE49-F238E27FC236}">
+                <a16:creationId xmlns:a16="http://schemas.microsoft.com/office/drawing/2014/main" id="{02400D83-657A-DD1D-AF4E-2023AA8D9673}"/>
+              </a:ext>
+            </a:extLst>
+          </p:cNvPr>
+          <p:cNvPicPr>
+            <a:picLocks noChangeAspect="1" noChangeArrowheads="1"/>
+          </p:cNvPicPr>
+          <p:nvPr/>
+        </p:nvPicPr>
+        <p:blipFill>
+          <a:blip r:embed="rId2">
+            <a:extLst>
+              <a:ext uri="{28A0092B-C50C-407E-A947-70E740481C1C}">
+                <a14:useLocalDpi xmlns:a14="http://schemas.microsoft.com/office/drawing/2010/main" val="0"/>
+              </a:ext>
+            </a:extLst>
+          </a:blip>
+          <a:srcRect/>
+          <a:stretch>
+            <a:fillRect/>
+          </a:stretch>
+        </p:blipFill>
+        <p:spPr bwMode="auto">
+          <a:xfrm>
+            <a:off x="5985163" y="1995055"/>
+            <a:ext cx="6086279" cy="3865418"/>
+          </a:xfrm>
+          <a:prstGeom prst="rect">
+            <a:avLst/>
+          </a:prstGeom>
+          <a:noFill/>
+          <a:extLst>
+            <a:ext uri="{909E8E84-426E-40DD-AFC4-6F175D3DCCD1}">
+              <a14:hiddenFill xmlns:a14="http://schemas.microsoft.com/office/drawing/2010/main">
+                <a:solidFill>
+                  <a:srgbClr val="FFFFFF"/>
+                </a:solidFill>
+              </a14:hiddenFill>
+            </a:ext>
+          </a:extLst>
+        </p:spPr>
+      </p:pic>
     </p:spTree>
     <p:extLst>
       <p:ext uri="{BB962C8B-B14F-4D97-AF65-F5344CB8AC3E}">
@@ -4999,6 +5954,117 @@
 </file>
 
 <file path=ppt/slides/slide6.xml><?xml version="1.0" encoding="utf-8"?>
+<p:sld xmlns:a="http://schemas.openxmlformats.org/drawingml/2006/main" xmlns:r="http://schemas.openxmlformats.org/officeDocument/2006/relationships" xmlns:p="http://schemas.openxmlformats.org/presentationml/2006/main">
+  <p:cSld>
+    <p:spTree>
+      <p:nvGrpSpPr>
+        <p:cNvPr id="1" name=""/>
+        <p:cNvGrpSpPr/>
+        <p:nvPr/>
+      </p:nvGrpSpPr>
+      <p:grpSpPr>
+        <a:xfrm>
+          <a:off x="0" y="0"/>
+          <a:ext cx="0" cy="0"/>
+          <a:chOff x="0" y="0"/>
+          <a:chExt cx="0" cy="0"/>
+        </a:xfrm>
+      </p:grpSpPr>
+      <p:sp>
+        <p:nvSpPr>
+          <p:cNvPr id="2" name="Title 1">
+            <a:extLst>
+              <a:ext uri="{FF2B5EF4-FFF2-40B4-BE49-F238E27FC236}">
+                <a16:creationId xmlns:a16="http://schemas.microsoft.com/office/drawing/2014/main" id="{4A663A5B-0CD8-F41A-7601-7444541419C2}"/>
+              </a:ext>
+            </a:extLst>
+          </p:cNvPr>
+          <p:cNvSpPr>
+            <a:spLocks noGrp="1"/>
+          </p:cNvSpPr>
+          <p:nvPr>
+            <p:ph type="title"/>
+          </p:nvPr>
+        </p:nvSpPr>
+        <p:spPr>
+          <a:xfrm>
+            <a:off x="270164" y="290945"/>
+            <a:ext cx="10784691" cy="1562809"/>
+          </a:xfrm>
+        </p:spPr>
+        <p:txBody>
+          <a:bodyPr/>
+          <a:lstStyle/>
+          <a:p>
+            <a:r>
+              <a:rPr lang="en-US" dirty="0"/>
+              <a:t>Present scenario</a:t>
+            </a:r>
+            <a:endParaRPr lang="en-IN" dirty="0"/>
+          </a:p>
+        </p:txBody>
+      </p:sp>
+      <p:pic>
+        <p:nvPicPr>
+          <p:cNvPr id="5122" name="Picture 2" descr="People Kill the Ocean with Plastic and Chemicals - a poem by Deborahlee - All Poetry">
+            <a:extLst>
+              <a:ext uri="{FF2B5EF4-FFF2-40B4-BE49-F238E27FC236}">
+                <a16:creationId xmlns:a16="http://schemas.microsoft.com/office/drawing/2014/main" id="{5622168E-A7AE-91B6-7FA6-577FE098B9CC}"/>
+              </a:ext>
+            </a:extLst>
+          </p:cNvPr>
+          <p:cNvPicPr>
+            <a:picLocks noChangeAspect="1" noChangeArrowheads="1"/>
+          </p:cNvPicPr>
+          <p:nvPr/>
+        </p:nvPicPr>
+        <p:blipFill>
+          <a:blip r:embed="rId2">
+            <a:extLst>
+              <a:ext uri="{28A0092B-C50C-407E-A947-70E740481C1C}">
+                <a14:useLocalDpi xmlns:a14="http://schemas.microsoft.com/office/drawing/2010/main" val="0"/>
+              </a:ext>
+            </a:extLst>
+          </a:blip>
+          <a:srcRect/>
+          <a:stretch>
+            <a:fillRect/>
+          </a:stretch>
+        </p:blipFill>
+        <p:spPr bwMode="auto">
+          <a:xfrm>
+            <a:off x="145473" y="1091045"/>
+            <a:ext cx="11928763" cy="5663046"/>
+          </a:xfrm>
+          <a:prstGeom prst="rect">
+            <a:avLst/>
+          </a:prstGeom>
+          <a:noFill/>
+          <a:extLst>
+            <a:ext uri="{909E8E84-426E-40DD-AFC4-6F175D3DCCD1}">
+              <a14:hiddenFill xmlns:a14="http://schemas.microsoft.com/office/drawing/2010/main">
+                <a:solidFill>
+                  <a:srgbClr val="FFFFFF"/>
+                </a:solidFill>
+              </a14:hiddenFill>
+            </a:ext>
+          </a:extLst>
+        </p:spPr>
+      </p:pic>
+    </p:spTree>
+    <p:extLst>
+      <p:ext uri="{BB962C8B-B14F-4D97-AF65-F5344CB8AC3E}">
+        <p14:creationId xmlns:p14="http://schemas.microsoft.com/office/powerpoint/2010/main" val="3065599872"/>
+      </p:ext>
+    </p:extLst>
+  </p:cSld>
+  <p:clrMapOvr>
+    <a:masterClrMapping/>
+  </p:clrMapOvr>
+</p:sld>
+</file>
+
+<file path=ppt/slides/slide7.xml><?xml version="1.0" encoding="utf-8"?>
 <p:sld xmlns:a="http://schemas.openxmlformats.org/drawingml/2006/main" xmlns:r="http://schemas.openxmlformats.org/officeDocument/2006/relationships" xmlns:p="http://schemas.openxmlformats.org/presentationml/2006/main">
   <p:cSld>
     <p:spTree>
@@ -5088,15 +6154,7 @@
           <a:p>
             <a:r>
               <a:rPr lang="en-US" dirty="0"/>
-              <a:t>Dirty and full dustbins can make places smell bad and look messy. People can get sick because of it. The workers who clean the dustbins have a hard job. They have to check many bins every </a:t>
-            </a:r>
-            <a:r>
-              <a:rPr lang="en-US" dirty="0" err="1"/>
-              <a:t>day.A</a:t>
-            </a:r>
-            <a:r>
-              <a:rPr lang="en-US" dirty="0"/>
-              <a:t> smart dustbin can help. It tells when the bin is full. This helps workers and keeps places clean. Making this shows that we care about environment and others and want to make life better and easier."</a:t>
+              <a:t>This project is about a smart dustbin that moves on a line and opens its lid by itself. When a person comes close, the dustbin stops and opens the lid, so the person can throw trash easily. This makes people feel good and helps them keep the place clean. It is good for schools, hospitals, and offices where we need to stay clean and be kind.</a:t>
             </a:r>
             <a:endParaRPr lang="en-IN" dirty="0"/>
           </a:p>
@@ -5162,157 +6220,6 @@
 </p:sld>
 </file>
 
-<file path=ppt/slides/slide7.xml><?xml version="1.0" encoding="utf-8"?>
-<p:sld xmlns:a="http://schemas.openxmlformats.org/drawingml/2006/main" xmlns:r="http://schemas.openxmlformats.org/officeDocument/2006/relationships" xmlns:p="http://schemas.openxmlformats.org/presentationml/2006/main">
-  <p:cSld>
-    <p:spTree>
-      <p:nvGrpSpPr>
-        <p:cNvPr id="1" name=""/>
-        <p:cNvGrpSpPr/>
-        <p:nvPr/>
-      </p:nvGrpSpPr>
-      <p:grpSpPr>
-        <a:xfrm>
-          <a:off x="0" y="0"/>
-          <a:ext cx="0" cy="0"/>
-          <a:chOff x="0" y="0"/>
-          <a:chExt cx="0" cy="0"/>
-        </a:xfrm>
-      </p:grpSpPr>
-      <p:sp>
-        <p:nvSpPr>
-          <p:cNvPr id="2" name="Title 1">
-            <a:extLst>
-              <a:ext uri="{FF2B5EF4-FFF2-40B4-BE49-F238E27FC236}">
-                <a16:creationId xmlns:a16="http://schemas.microsoft.com/office/drawing/2014/main" id="{C3D8EA84-8D8B-4A50-9A08-609FF92B12F9}"/>
-              </a:ext>
-            </a:extLst>
-          </p:cNvPr>
-          <p:cNvSpPr>
-            <a:spLocks noGrp="1"/>
-          </p:cNvSpPr>
-          <p:nvPr>
-            <p:ph type="title"/>
-          </p:nvPr>
-        </p:nvSpPr>
-        <p:spPr>
-          <a:xfrm>
-            <a:off x="167149" y="578747"/>
-            <a:ext cx="10887703" cy="1059305"/>
-          </a:xfrm>
-        </p:spPr>
-        <p:txBody>
-          <a:bodyPr>
-            <a:normAutofit/>
-          </a:bodyPr>
-          <a:lstStyle/>
-          <a:p>
-            <a:r>
-              <a:rPr lang="en-US" sz="4400" dirty="0"/>
-              <a:t>define</a:t>
-            </a:r>
-            <a:endParaRPr lang="en-IN" sz="4400" dirty="0"/>
-          </a:p>
-        </p:txBody>
-      </p:sp>
-      <p:sp>
-        <p:nvSpPr>
-          <p:cNvPr id="3" name="Content Placeholder 2">
-            <a:extLst>
-              <a:ext uri="{FF2B5EF4-FFF2-40B4-BE49-F238E27FC236}">
-                <a16:creationId xmlns:a16="http://schemas.microsoft.com/office/drawing/2014/main" id="{838233A8-208A-E79C-4B46-904DBBE0F80B}"/>
-              </a:ext>
-            </a:extLst>
-          </p:cNvPr>
-          <p:cNvSpPr>
-            <a:spLocks noGrp="1"/>
-          </p:cNvSpPr>
-          <p:nvPr>
-            <p:ph sz="half" idx="1"/>
-          </p:nvPr>
-        </p:nvSpPr>
-        <p:spPr>
-          <a:xfrm>
-            <a:off x="167149" y="2010878"/>
-            <a:ext cx="5535562" cy="3999629"/>
-          </a:xfrm>
-        </p:spPr>
-        <p:txBody>
-          <a:bodyPr>
-            <a:normAutofit/>
-          </a:bodyPr>
-          <a:lstStyle/>
-          <a:p>
-            <a:r>
-              <a:rPr lang="en-US" sz="2400" dirty="0"/>
-              <a:t>A Smart Dustbin is an intelligent waste container that uses sensors and IoT (Internet of Things) technology to detect the level of waste, open the lid automatically. It helps improve hygiene, reduce manual checking, and support smart waste management systems.</a:t>
-            </a:r>
-            <a:endParaRPr lang="en-IN" sz="2400" dirty="0"/>
-          </a:p>
-        </p:txBody>
-      </p:sp>
-      <p:pic>
-        <p:nvPicPr>
-          <p:cNvPr id="3074" name="Picture 2" descr="How to make &quot;SMART DUSTBIN&quot; using Arduino - YouTube">
-            <a:extLst>
-              <a:ext uri="{FF2B5EF4-FFF2-40B4-BE49-F238E27FC236}">
-                <a16:creationId xmlns:a16="http://schemas.microsoft.com/office/drawing/2014/main" id="{88EC063D-D845-C67C-DCE3-BE8DADFDB252}"/>
-              </a:ext>
-            </a:extLst>
-          </p:cNvPr>
-          <p:cNvPicPr>
-            <a:picLocks noGrp="1" noChangeAspect="1" noChangeArrowheads="1"/>
-          </p:cNvPicPr>
-          <p:nvPr>
-            <p:ph sz="half" idx="2"/>
-          </p:nvPr>
-        </p:nvPicPr>
-        <p:blipFill>
-          <a:blip r:embed="rId2">
-            <a:extLst>
-              <a:ext uri="{28A0092B-C50C-407E-A947-70E740481C1C}">
-                <a14:useLocalDpi xmlns:a14="http://schemas.microsoft.com/office/drawing/2010/main" val="0"/>
-              </a:ext>
-            </a:extLst>
-          </a:blip>
-          <a:srcRect/>
-          <a:stretch>
-            <a:fillRect/>
-          </a:stretch>
-        </p:blipFill>
-        <p:spPr bwMode="auto">
-          <a:xfrm>
-            <a:off x="6263148" y="2010878"/>
-            <a:ext cx="5358581" cy="3999628"/>
-          </a:xfrm>
-          <a:prstGeom prst="rect">
-            <a:avLst/>
-          </a:prstGeom>
-          <a:noFill/>
-          <a:extLst>
-            <a:ext uri="{909E8E84-426E-40DD-AFC4-6F175D3DCCD1}">
-              <a14:hiddenFill xmlns:a14="http://schemas.microsoft.com/office/drawing/2010/main">
-                <a:solidFill>
-                  <a:srgbClr val="FFFFFF"/>
-                </a:solidFill>
-              </a14:hiddenFill>
-            </a:ext>
-          </a:extLst>
-        </p:spPr>
-      </p:pic>
-    </p:spTree>
-    <p:extLst>
-      <p:ext uri="{BB962C8B-B14F-4D97-AF65-F5344CB8AC3E}">
-        <p14:creationId xmlns:p14="http://schemas.microsoft.com/office/powerpoint/2010/main" val="164132133"/>
-      </p:ext>
-    </p:extLst>
-  </p:cSld>
-  <p:clrMapOvr>
-    <a:masterClrMapping/>
-  </p:clrMapOvr>
-</p:sld>
-</file>
-
 <file path=ppt/slides/slide8.xml><?xml version="1.0" encoding="utf-8"?>
 <p:sld xmlns:a="http://schemas.openxmlformats.org/drawingml/2006/main" xmlns:r="http://schemas.openxmlformats.org/officeDocument/2006/relationships" xmlns:p="http://schemas.openxmlformats.org/presentationml/2006/main">
   <p:cSld>
@@ -5335,7 +6242,7 @@
           <p:cNvPr id="2" name="Title 1">
             <a:extLst>
               <a:ext uri="{FF2B5EF4-FFF2-40B4-BE49-F238E27FC236}">
-                <a16:creationId xmlns:a16="http://schemas.microsoft.com/office/drawing/2014/main" id="{938FD96A-BC22-06E0-BFEC-AEBCF37D9617}"/>
+                <a16:creationId xmlns:a16="http://schemas.microsoft.com/office/drawing/2014/main" id="{C3D8EA84-8D8B-4A50-9A08-609FF92B12F9}"/>
               </a:ext>
             </a:extLst>
           </p:cNvPr>
@@ -5348,36 +6255,21 @@
         </p:nvSpPr>
         <p:spPr>
           <a:xfrm>
-            <a:off x="78658" y="117988"/>
-            <a:ext cx="10976195" cy="1582994"/>
+            <a:off x="167149" y="578747"/>
+            <a:ext cx="10887703" cy="1059305"/>
           </a:xfrm>
         </p:spPr>
         <p:txBody>
           <a:bodyPr>
-            <a:normAutofit fontScale="90000"/>
+            <a:normAutofit/>
           </a:bodyPr>
           <a:lstStyle/>
           <a:p>
             <a:r>
-              <a:rPr lang="en-US" sz="4000" dirty="0"/>
-              <a:t>Ideate</a:t>
-            </a:r>
-            <a:br>
-              <a:rPr lang="en-US" sz="4000" dirty="0"/>
-            </a:br>
-            <a:br>
-              <a:rPr lang="en-US" sz="4000" dirty="0"/>
-            </a:br>
-            <a:br>
-              <a:rPr lang="en-US" sz="4000" dirty="0"/>
-            </a:br>
-            <a:br>
-              <a:rPr lang="en-US" sz="4000" dirty="0"/>
-            </a:br>
-            <a:br>
-              <a:rPr lang="en-US" dirty="0"/>
-            </a:br>
-            <a:endParaRPr lang="en-IN" dirty="0"/>
+              <a:rPr lang="en-US" sz="4400" dirty="0"/>
+              <a:t>define</a:t>
+            </a:r>
+            <a:endParaRPr lang="en-IN" sz="4400" dirty="0"/>
           </a:p>
         </p:txBody>
       </p:sp>
@@ -5386,7 +6278,7 @@
           <p:cNvPr id="3" name="Content Placeholder 2">
             <a:extLst>
               <a:ext uri="{FF2B5EF4-FFF2-40B4-BE49-F238E27FC236}">
-                <a16:creationId xmlns:a16="http://schemas.microsoft.com/office/drawing/2014/main" id="{AC91F675-00EC-78A8-568C-D04A0D46A8ED}"/>
+                <a16:creationId xmlns:a16="http://schemas.microsoft.com/office/drawing/2014/main" id="{838233A8-208A-E79C-4B46-904DBBE0F80B}"/>
               </a:ext>
             </a:extLst>
           </p:cNvPr>
@@ -5399,108 +6291,62 @@
         </p:nvSpPr>
         <p:spPr>
           <a:xfrm>
-            <a:off x="206477" y="-1"/>
-            <a:ext cx="6843252" cy="5810866"/>
+            <a:off x="167149" y="2010878"/>
+            <a:ext cx="5535562" cy="3999629"/>
           </a:xfrm>
         </p:spPr>
         <p:txBody>
           <a:bodyPr>
-            <a:normAutofit fontScale="92500" lnSpcReduction="10000"/>
+            <a:normAutofit/>
           </a:bodyPr>
           <a:lstStyle/>
           <a:p>
-            <a:pPr marL="0" indent="0">
-              <a:buNone/>
-            </a:pPr>
-            <a:endParaRPr lang="en-US" dirty="0"/>
-          </a:p>
-          <a:p>
-            <a:pPr marL="0" indent="0">
-              <a:buNone/>
-            </a:pPr>
-            <a:endParaRPr lang="en-US" dirty="0"/>
-          </a:p>
-          <a:p>
-            <a:pPr marL="0" indent="0">
-              <a:buNone/>
-            </a:pPr>
-            <a:r>
-              <a:rPr lang="en-US" sz="2600" dirty="0"/>
-              <a:t>BRAINSTORMING-EXPLORING INNOVATIVE POSSIBILITIES </a:t>
-            </a:r>
-          </a:p>
-          <a:p>
-            <a:pPr marL="0" indent="0">
-              <a:buNone/>
-            </a:pPr>
-            <a:r>
-              <a:rPr lang="en-US" dirty="0"/>
-              <a:t>1. Motion-Sensor LidTouchless access for improved hygiene.</a:t>
-            </a:r>
-          </a:p>
-          <a:p>
-            <a:pPr marL="0" indent="0">
-              <a:buNone/>
-            </a:pPr>
-            <a:r>
-              <a:rPr lang="en-US" dirty="0"/>
-              <a:t>2. Bin Fill-Level Notification System Alert users or municipal services when bin is full.</a:t>
-            </a:r>
-          </a:p>
-          <a:p>
-            <a:pPr marL="0" indent="0">
-              <a:buNone/>
-            </a:pPr>
-            <a:r>
-              <a:rPr lang="en-US" dirty="0"/>
-              <a:t>3. Solar Charging Integration Sustainable energy solution for outdoor bins</a:t>
-            </a:r>
-          </a:p>
-          <a:p>
-            <a:pPr marL="0" indent="0">
-              <a:buNone/>
-            </a:pPr>
-            <a:r>
-              <a:rPr lang="en-US" dirty="0"/>
-              <a:t>4. Smart Segregation Auto-sorting waste to promote recycling</a:t>
-            </a:r>
-          </a:p>
-          <a:p>
-            <a:pPr marL="0" indent="0">
-              <a:buNone/>
-            </a:pPr>
-            <a:r>
-              <a:rPr lang="en-US" dirty="0"/>
-              <a:t>5. Voice Command Operation Hands-free control for improved accessibility.</a:t>
-            </a:r>
-          </a:p>
-          <a:p>
-            <a:pPr marL="0" indent="0">
-              <a:buNone/>
-            </a:pPr>
-            <a:r>
-              <a:rPr lang="en-US" dirty="0"/>
-              <a:t>6. GPS and Mobile App Tracking Locate nearest smart bins and monitor status in real-time.</a:t>
-            </a:r>
-            <a:endParaRPr lang="en-IN" dirty="0"/>
+            <a:r>
+              <a:rPr lang="en-US" sz="2400" dirty="0"/>
+              <a:t>The Smart Dustbin with Line Following and Automatic Lid Opening is an intelligent waste bin system designed to improve cleanliness and hygiene in public and indoor spaces. The project uses sensors and motors to create a dustbin.</a:t>
+            </a:r>
+            <a:endParaRPr lang="en-IN" sz="2400" dirty="0"/>
+          </a:p>
+        </p:txBody>
+      </p:sp>
+      <p:sp>
+        <p:nvSpPr>
+          <p:cNvPr id="6" name="Content Placeholder 5">
+            <a:extLst>
+              <a:ext uri="{FF2B5EF4-FFF2-40B4-BE49-F238E27FC236}">
+                <a16:creationId xmlns:a16="http://schemas.microsoft.com/office/drawing/2014/main" id="{9DA74F78-4C00-F2F8-FCA5-50DE200CF844}"/>
+              </a:ext>
+            </a:extLst>
+          </p:cNvPr>
+          <p:cNvSpPr>
+            <a:spLocks noGrp="1"/>
+          </p:cNvSpPr>
+          <p:nvPr>
+            <p:ph sz="half" idx="2"/>
+          </p:nvPr>
+        </p:nvSpPr>
+        <p:spPr/>
+        <p:txBody>
+          <a:bodyPr/>
+          <a:lstStyle/>
+          <a:p>
+            <a:endParaRPr lang="en-IN"/>
           </a:p>
         </p:txBody>
       </p:sp>
       <p:pic>
         <p:nvPicPr>
-          <p:cNvPr id="1030" name="Picture 6" descr="7,970,200+ Ideas Stock Photos, Pictures &amp; Royalty-Free Images - iStock |  Innovation, Light bulb idea, Light bulb">
+          <p:cNvPr id="2050" name="Picture 2" descr="Garbage Recyclable Line Following Robot ...">
             <a:extLst>
               <a:ext uri="{FF2B5EF4-FFF2-40B4-BE49-F238E27FC236}">
-                <a16:creationId xmlns:a16="http://schemas.microsoft.com/office/drawing/2014/main" id="{769E41D2-45B6-C4B8-70DE-0FE377E1CF6B}"/>
+                <a16:creationId xmlns:a16="http://schemas.microsoft.com/office/drawing/2014/main" id="{6E960574-0A3A-76DF-1449-24E3D2C0BCC0}"/>
               </a:ext>
             </a:extLst>
           </p:cNvPr>
           <p:cNvPicPr>
-            <a:picLocks noGrp="1" noChangeAspect="1" noChangeArrowheads="1"/>
+            <a:picLocks noChangeAspect="1" noChangeArrowheads="1"/>
           </p:cNvPicPr>
-          <p:nvPr>
-            <p:ph sz="half" idx="2"/>
-          </p:nvPr>
+          <p:nvPr/>
         </p:nvPicPr>
         <p:blipFill>
           <a:blip r:embed="rId2">
@@ -5517,8 +6363,8 @@
         </p:blipFill>
         <p:spPr bwMode="auto">
           <a:xfrm>
-            <a:off x="7620001" y="1907458"/>
-            <a:ext cx="3913238" cy="4100052"/>
+            <a:off x="6320461" y="2017343"/>
+            <a:ext cx="4831772" cy="3676650"/>
           </a:xfrm>
           <a:prstGeom prst="rect">
             <a:avLst/>
@@ -5538,7 +6384,7 @@
     </p:spTree>
     <p:extLst>
       <p:ext uri="{BB962C8B-B14F-4D97-AF65-F5344CB8AC3E}">
-        <p14:creationId xmlns:p14="http://schemas.microsoft.com/office/powerpoint/2010/main" val="3421036694"/>
+        <p14:creationId xmlns:p14="http://schemas.microsoft.com/office/powerpoint/2010/main" val="164132133"/>
       </p:ext>
     </p:extLst>
   </p:cSld>
@@ -5565,195 +6411,98 @@
           <a:chExt cx="0" cy="0"/>
         </a:xfrm>
       </p:grpSpPr>
-      <p:sp>
-        <p:nvSpPr>
-          <p:cNvPr id="2" name="Title 1">
+      <p:pic>
+        <p:nvPicPr>
+          <p:cNvPr id="5" name="Picture 4">
             <a:extLst>
               <a:ext uri="{FF2B5EF4-FFF2-40B4-BE49-F238E27FC236}">
-                <a16:creationId xmlns:a16="http://schemas.microsoft.com/office/drawing/2014/main" id="{6F74622C-9027-554A-A5EE-B7E542E4DD32}"/>
-              </a:ext>
-            </a:extLst>
-          </p:cNvPr>
-          <p:cNvSpPr>
-            <a:spLocks noGrp="1"/>
-          </p:cNvSpPr>
-          <p:nvPr>
-            <p:ph type="title"/>
-          </p:nvPr>
-        </p:nvSpPr>
-        <p:spPr>
-          <a:xfrm>
-            <a:off x="82533" y="411598"/>
-            <a:ext cx="9605635" cy="1059305"/>
-          </a:xfrm>
-        </p:spPr>
-        <p:txBody>
-          <a:bodyPr/>
-          <a:lstStyle/>
-          <a:p>
-            <a:r>
-              <a:rPr lang="en-US" dirty="0"/>
-              <a:t>components</a:t>
-            </a:r>
-            <a:endParaRPr lang="en-IN" dirty="0"/>
-          </a:p>
-        </p:txBody>
-      </p:sp>
-      <p:sp>
-        <p:nvSpPr>
-          <p:cNvPr id="3" name="Content Placeholder 2">
-            <a:extLst>
-              <a:ext uri="{FF2B5EF4-FFF2-40B4-BE49-F238E27FC236}">
-                <a16:creationId xmlns:a16="http://schemas.microsoft.com/office/drawing/2014/main" id="{9486D950-AB2B-A79F-BC38-EC0B5D8E3F86}"/>
-              </a:ext>
-            </a:extLst>
-          </p:cNvPr>
-          <p:cNvSpPr>
-            <a:spLocks noGrp="1"/>
-          </p:cNvSpPr>
-          <p:nvPr>
-            <p:ph sz="half" idx="1"/>
-          </p:nvPr>
-        </p:nvSpPr>
-        <p:spPr>
-          <a:xfrm>
-            <a:off x="6695" y="1278195"/>
-            <a:ext cx="5771535" cy="4774916"/>
-          </a:xfrm>
-        </p:spPr>
-        <p:txBody>
-          <a:bodyPr>
-            <a:noAutofit/>
-          </a:bodyPr>
-          <a:lstStyle/>
-          <a:p>
-            <a:pPr marL="0" indent="0">
-              <a:buNone/>
-            </a:pPr>
-            <a:r>
-              <a:rPr lang="en-US" sz="1600" dirty="0"/>
-              <a:t>1. Arduino UNO – Acts as the brain of the project, controlling all components.</a:t>
-            </a:r>
-          </a:p>
-          <a:p>
-            <a:pPr marL="0" indent="0">
-              <a:buNone/>
-            </a:pPr>
-            <a:r>
-              <a:rPr lang="en-US" sz="1600" dirty="0"/>
-              <a:t>2. Jumper Wires &amp; Breadboard-For making circuit connections.</a:t>
-            </a:r>
-          </a:p>
-          <a:p>
-            <a:pPr marL="0" indent="0">
-              <a:buNone/>
-            </a:pPr>
-            <a:r>
-              <a:rPr lang="en-US" sz="1600" dirty="0"/>
-              <a:t>3. Ultrasonic Sensor – Detects nearby objects or people to trigger lid opening</a:t>
-            </a:r>
-          </a:p>
-          <a:p>
-            <a:pPr marL="0" indent="0">
-              <a:buNone/>
-            </a:pPr>
-            <a:r>
-              <a:rPr lang="en-US" sz="1600" dirty="0"/>
-              <a:t>4. Servo Motor – Opens and closes the dustbin lid automatically.</a:t>
-            </a:r>
-          </a:p>
-          <a:p>
-            <a:pPr marL="0" indent="0">
-              <a:buNone/>
-            </a:pPr>
-            <a:r>
-              <a:rPr lang="en-US" sz="1600" dirty="0"/>
-              <a:t>5. HW Batteries (2) – Supply power to the entire circuit.</a:t>
-            </a:r>
-          </a:p>
-          <a:p>
-            <a:pPr marL="0" indent="0">
-              <a:buNone/>
-            </a:pPr>
-            <a:r>
-              <a:rPr lang="en-US" sz="1600" dirty="0"/>
-              <a:t>6. Battery Connector with Jack – Connects batteries to the Arduino safely.</a:t>
-            </a:r>
-          </a:p>
-          <a:p>
-            <a:pPr marL="0" indent="0">
-              <a:buNone/>
-            </a:pPr>
-            <a:r>
-              <a:rPr lang="en-US" sz="1600" dirty="0"/>
-              <a:t>7. Bluetooth Module – Allows remote lid control via a mobile phone</a:t>
-            </a:r>
-          </a:p>
-          <a:p>
-            <a:pPr marL="0" indent="0">
-              <a:buNone/>
-            </a:pPr>
-            <a:r>
-              <a:rPr lang="en-US" sz="1600" dirty="0"/>
-              <a:t>8. Dustbin (Plastic or Metal)-The physical structure where waste is collected..</a:t>
-            </a:r>
-            <a:endParaRPr lang="en-IN" sz="1600" dirty="0"/>
-          </a:p>
-        </p:txBody>
-      </p:sp>
-      <p:pic>
-        <p:nvPicPr>
-          <p:cNvPr id="6146" name="Picture 2" descr="Smart Dustbin Project Components - Arduino Project">
-            <a:extLst>
-              <a:ext uri="{FF2B5EF4-FFF2-40B4-BE49-F238E27FC236}">
-                <a16:creationId xmlns:a16="http://schemas.microsoft.com/office/drawing/2014/main" id="{997EFD8A-8705-80C7-4302-C5E694616C71}"/>
+                <a16:creationId xmlns:a16="http://schemas.microsoft.com/office/drawing/2014/main" id="{7586599A-D39A-428A-AEF0-C46EC84FDFD1}"/>
               </a:ext>
             </a:extLst>
           </p:cNvPr>
           <p:cNvPicPr>
-            <a:picLocks noGrp="1" noChangeAspect="1" noChangeArrowheads="1"/>
+            <a:picLocks noChangeAspect="1"/>
           </p:cNvPicPr>
-          <p:nvPr>
-            <p:ph sz="half" idx="2"/>
-          </p:nvPr>
+          <p:nvPr/>
         </p:nvPicPr>
         <p:blipFill>
-          <a:blip r:embed="rId2">
-            <a:extLst>
-              <a:ext uri="{28A0092B-C50C-407E-A947-70E740481C1C}">
-                <a14:useLocalDpi xmlns:a14="http://schemas.microsoft.com/office/drawing/2010/main" val="0"/>
-              </a:ext>
-            </a:extLst>
-          </a:blip>
-          <a:srcRect/>
+          <a:blip r:embed="rId2"/>
           <a:stretch>
             <a:fillRect/>
           </a:stretch>
         </p:blipFill>
-        <p:spPr bwMode="auto">
-          <a:xfrm>
-            <a:off x="6413771" y="684497"/>
-            <a:ext cx="5365273" cy="5368614"/>
+        <p:spPr>
+          <a:xfrm>
+            <a:off x="1447800" y="819150"/>
+            <a:ext cx="9296400" cy="5219700"/>
+          </a:xfrm>
+          <a:prstGeom prst="rect">
+            <a:avLst/>
+          </a:prstGeom>
+        </p:spPr>
+      </p:pic>
+      <p:sp>
+        <p:nvSpPr>
+          <p:cNvPr id="6" name="Rectangle 5">
+            <a:extLst>
+              <a:ext uri="{FF2B5EF4-FFF2-40B4-BE49-F238E27FC236}">
+                <a16:creationId xmlns:a16="http://schemas.microsoft.com/office/drawing/2014/main" id="{FAAE56C8-25D5-26E9-A93D-4FC89C3325FE}"/>
+              </a:ext>
+            </a:extLst>
+          </p:cNvPr>
+          <p:cNvSpPr/>
+          <p:nvPr/>
+        </p:nvSpPr>
+        <p:spPr>
+          <a:xfrm>
+            <a:off x="0" y="0"/>
+            <a:ext cx="4788310" cy="710995"/>
           </a:xfrm>
           <a:prstGeom prst="rect">
             <a:avLst/>
           </a:prstGeom>
           <a:noFill/>
-          <a:extLst>
-            <a:ext uri="{909E8E84-426E-40DD-AFC4-6F175D3DCCD1}">
-              <a14:hiddenFill xmlns:a14="http://schemas.microsoft.com/office/drawing/2010/main">
-                <a:solidFill>
-                  <a:srgbClr val="FFFFFF"/>
-                </a:solidFill>
-              </a14:hiddenFill>
-            </a:ext>
-          </a:extLst>
-        </p:spPr>
-      </p:pic>
+          <a:ln w="9525" cap="flat" cmpd="sng" algn="ctr">
+            <a:solidFill>
+              <a:schemeClr val="dk1"/>
+            </a:solidFill>
+            <a:prstDash val="solid"/>
+            <a:round/>
+            <a:headEnd type="none" w="med" len="med"/>
+            <a:tailEnd type="none" w="med" len="med"/>
+          </a:ln>
+        </p:spPr>
+        <p:style>
+          <a:lnRef idx="0">
+            <a:scrgbClr r="0" g="0" b="0"/>
+          </a:lnRef>
+          <a:fillRef idx="0">
+            <a:scrgbClr r="0" g="0" b="0"/>
+          </a:fillRef>
+          <a:effectRef idx="0">
+            <a:scrgbClr r="0" g="0" b="0"/>
+          </a:effectRef>
+          <a:fontRef idx="minor">
+            <a:schemeClr val="dk1"/>
+          </a:fontRef>
+        </p:style>
+        <p:txBody>
+          <a:bodyPr rtlCol="0" anchor="ctr"/>
+          <a:lstStyle/>
+          <a:p>
+            <a:pPr algn="ctr"/>
+            <a:r>
+              <a:rPr lang="en-US" sz="3600" dirty="0"/>
+              <a:t>CIRCUIT DIAGRAM</a:t>
+            </a:r>
+            <a:endParaRPr lang="en-IN" sz="3600" dirty="0"/>
+          </a:p>
+        </p:txBody>
+      </p:sp>
     </p:spTree>
     <p:extLst>
       <p:ext uri="{BB962C8B-B14F-4D97-AF65-F5344CB8AC3E}">
-        <p14:creationId xmlns:p14="http://schemas.microsoft.com/office/powerpoint/2010/main" val="432926991"/>
+        <p14:creationId xmlns:p14="http://schemas.microsoft.com/office/powerpoint/2010/main" val="2666388608"/>
       </p:ext>
     </p:extLst>
   </p:cSld>
@@ -5761,47 +6510,6 @@
     <a:masterClrMapping/>
   </p:clrMapOvr>
 </p:sld>
-</file>
-
-<file path=ppt/tags/tag1.xml><?xml version="1.0" encoding="utf-8"?>
-<p:tagLst xmlns:a="http://schemas.openxmlformats.org/drawingml/2006/main" xmlns:r="http://schemas.openxmlformats.org/officeDocument/2006/relationships" xmlns:p="http://schemas.openxmlformats.org/presentationml/2006/main" xmlns:mc="http://schemas.openxmlformats.org/markup-compatibility/2006" xmlns:mv="urn:schemas-microsoft-com:mac:vml">
-  <p:tag name="may_ignore_ucw" val="true"/>
-  <p:tag name="ppt/slides/slide1.xml" val="4087868365"/>
-  <p:tag name="ppt/slides/slide2.xml" val="777965883"/>
-  <p:tag name="ppt/slides/slide3.xml" val="4224646392"/>
-  <p:tag name="ppt/slides/slide4.xml" val="2439732532"/>
-  <p:tag name="ppt/slides/slide5.xml" val="1900911219"/>
-  <p:tag name="ppt/slides/slide6.xml" val="4138112870"/>
-  <p:tag name="ppt/slides/slide7.xml" val="974756843"/>
-  <p:tag name="ppt/slides/slide8.xml" val="3042679803"/>
-  <p:tag name="ppt/slides/slide9.xml" val="4150006962"/>
-  <p:tag name="ppt/slides/slide10.xml" val="3231349821"/>
-  <p:tag name="ppt/slides/slide11.xml" val="2372535970"/>
-  <p:tag name="ppt/slides/slide12.xml" val="3528543115"/>
-  <p:tag name="ppt/slides/slide13.xml" val="3327679554"/>
-  <p:tag name="ppt/slideMasters/slideMaster1.xml" val="1993779940"/>
-  <p:tag name="ppt/slideLayouts/slideLayout8.xml" val="2109374422"/>
-  <p:tag name="ppt/slideLayouts/slideLayout1.xml" val="3812186084"/>
-  <p:tag name="ppt/slideLayouts/slideLayout2.xml" val="1493266549"/>
-  <p:tag name="ppt/slideLayouts/slideLayout3.xml" val="3923342738"/>
-  <p:tag name="ppt/slideLayouts/slideLayout4.xml" val="2489254759"/>
-  <p:tag name="ppt/slideLayouts/slideLayout5.xml" val="911304623"/>
-  <p:tag name="ppt/slideLayouts/slideLayout6.xml" val="3681977194"/>
-  <p:tag name="ppt/slideLayouts/slideLayout7.xml" val="801614091"/>
-  <p:tag name="ppt/slideLayouts/slideLayout9.xml" val="2602814372"/>
-  <p:tag name="ppt/slideLayouts/slideLayout10.xml" val="2516303812"/>
-  <p:tag name="ppt/slideLayouts/slideLayout11.xml" val="1215134223"/>
-  <p:tag name="ppt/theme/theme1.xml" val="1890662618"/>
-  <p:tag name="ppt/media/image1.jpg" val="2248251680"/>
-  <p:tag name="ppt/media/image2.jpeg" val="2869937989"/>
-  <p:tag name="ppt/media/image3.jpeg" val="1572865355"/>
-  <p:tag name="ppt/media/image7.jpeg" val="2061744337"/>
-  <p:tag name="ppt/media/image8.jpeg" val="2782100882"/>
-  <p:tag name="ppt/media/image9.jpeg" val="551049330"/>
-  <p:tag name="ppt/media/image5.jpeg" val="3569569547"/>
-  <p:tag name="ppt/media/image6.jpeg" val="3715313851"/>
-  <p:tag name="ppt/media/image4.jpeg" val="4272259767"/>
-</p:tagLst>
 </file>
 
 <file path=ppt/theme/theme1.xml><?xml version="1.0" encoding="utf-8"?>
